--- a/分布式计算/课件/05. 基本图算法.pptx
+++ b/分布式计算/课件/05. 基本图算法.pptx
@@ -290,7 +290,7 @@
               <a:pPr>
                 <a:defRPr/>
               </a:pPr>
-              <a:t>2019/3/24</a:t>
+              <a:t>2019/4/2</a:t>
             </a:fld>
             <a:endParaRPr lang="zh-CN" altLang="en-US"/>
           </a:p>
@@ -508,7 +508,7 @@
               <a:pPr>
                 <a:defRPr/>
               </a:pPr>
-              <a:t>2019/3/24</a:t>
+              <a:t>2019/4/2</a:t>
             </a:fld>
             <a:endParaRPr lang="zh-CN" altLang="en-US"/>
           </a:p>
@@ -868,7 +868,7 @@
           </a:ln>
           <a:extLst>
             <a:ext uri="{909E8E84-426E-40dd-AFC4-6F175D3DCCD1}">
-              <a14:hiddenFill xmlns="" xmlns:a14="http://schemas.microsoft.com/office/drawing/2010/main">
+              <a14:hiddenFill xmlns:a14="http://schemas.microsoft.com/office/drawing/2010/main" xmlns="">
                 <a:solidFill>
                   <a:srgbClr val="FFFFFF"/>
                 </a:solidFill>
@@ -891,14 +891,14 @@
           <a:noFill/>
           <a:extLst>
             <a:ext uri="{909E8E84-426E-40dd-AFC4-6F175D3DCCD1}">
-              <a14:hiddenFill xmlns="" xmlns:a14="http://schemas.microsoft.com/office/drawing/2010/main">
+              <a14:hiddenFill xmlns:a14="http://schemas.microsoft.com/office/drawing/2010/main" xmlns="">
                 <a:solidFill>
                   <a:srgbClr val="FFFFFF"/>
                 </a:solidFill>
               </a14:hiddenFill>
             </a:ext>
             <a:ext uri="{91240B29-F687-4f45-9708-019B960494DF}">
-              <a14:hiddenLine xmlns="" xmlns:a14="http://schemas.microsoft.com/office/drawing/2010/main" w="9525">
+              <a14:hiddenLine xmlns:a14="http://schemas.microsoft.com/office/drawing/2010/main" xmlns="" w="9525">
                 <a:solidFill>
                   <a:srgbClr val="000000"/>
                 </a:solidFill>
@@ -1114,7 +1114,7 @@
           </a:ln>
           <a:extLst>
             <a:ext uri="{909E8E84-426E-40dd-AFC4-6F175D3DCCD1}">
-              <a14:hiddenFill xmlns="" xmlns:a14="http://schemas.microsoft.com/office/drawing/2010/main">
+              <a14:hiddenFill xmlns:a14="http://schemas.microsoft.com/office/drawing/2010/main" xmlns="">
                 <a:solidFill>
                   <a:srgbClr val="FFFFFF"/>
                 </a:solidFill>
@@ -1137,14 +1137,14 @@
           <a:noFill/>
           <a:extLst>
             <a:ext uri="{909E8E84-426E-40dd-AFC4-6F175D3DCCD1}">
-              <a14:hiddenFill xmlns="" xmlns:a14="http://schemas.microsoft.com/office/drawing/2010/main">
+              <a14:hiddenFill xmlns:a14="http://schemas.microsoft.com/office/drawing/2010/main" xmlns="">
                 <a:solidFill>
                   <a:srgbClr val="FFFFFF"/>
                 </a:solidFill>
               </a14:hiddenFill>
             </a:ext>
             <a:ext uri="{91240B29-F687-4f45-9708-019B960494DF}">
-              <a14:hiddenLine xmlns="" xmlns:a14="http://schemas.microsoft.com/office/drawing/2010/main" w="9525">
+              <a14:hiddenLine xmlns:a14="http://schemas.microsoft.com/office/drawing/2010/main" xmlns="" w="9525">
                 <a:solidFill>
                   <a:srgbClr val="000000"/>
                 </a:solidFill>
@@ -1360,7 +1360,7 @@
           </a:ln>
           <a:extLst>
             <a:ext uri="{909E8E84-426E-40dd-AFC4-6F175D3DCCD1}">
-              <a14:hiddenFill xmlns="" xmlns:a14="http://schemas.microsoft.com/office/drawing/2010/main">
+              <a14:hiddenFill xmlns:a14="http://schemas.microsoft.com/office/drawing/2010/main" xmlns="">
                 <a:solidFill>
                   <a:srgbClr val="FFFFFF"/>
                 </a:solidFill>
@@ -1383,14 +1383,14 @@
           <a:noFill/>
           <a:extLst>
             <a:ext uri="{909E8E84-426E-40dd-AFC4-6F175D3DCCD1}">
-              <a14:hiddenFill xmlns="" xmlns:a14="http://schemas.microsoft.com/office/drawing/2010/main">
+              <a14:hiddenFill xmlns:a14="http://schemas.microsoft.com/office/drawing/2010/main" xmlns="">
                 <a:solidFill>
                   <a:srgbClr val="FFFFFF"/>
                 </a:solidFill>
               </a14:hiddenFill>
             </a:ext>
             <a:ext uri="{91240B29-F687-4f45-9708-019B960494DF}">
-              <a14:hiddenLine xmlns="" xmlns:a14="http://schemas.microsoft.com/office/drawing/2010/main" w="9525">
+              <a14:hiddenLine xmlns:a14="http://schemas.microsoft.com/office/drawing/2010/main" xmlns="" w="9525">
                 <a:solidFill>
                   <a:srgbClr val="000000"/>
                 </a:solidFill>
@@ -1606,7 +1606,7 @@
           </a:ln>
           <a:extLst>
             <a:ext uri="{909E8E84-426E-40dd-AFC4-6F175D3DCCD1}">
-              <a14:hiddenFill xmlns="" xmlns:a14="http://schemas.microsoft.com/office/drawing/2010/main">
+              <a14:hiddenFill xmlns:a14="http://schemas.microsoft.com/office/drawing/2010/main" xmlns="">
                 <a:solidFill>
                   <a:srgbClr val="FFFFFF"/>
                 </a:solidFill>
@@ -1629,14 +1629,14 @@
           <a:noFill/>
           <a:extLst>
             <a:ext uri="{909E8E84-426E-40dd-AFC4-6F175D3DCCD1}">
-              <a14:hiddenFill xmlns="" xmlns:a14="http://schemas.microsoft.com/office/drawing/2010/main">
+              <a14:hiddenFill xmlns:a14="http://schemas.microsoft.com/office/drawing/2010/main" xmlns="">
                 <a:solidFill>
                   <a:srgbClr val="FFFFFF"/>
                 </a:solidFill>
               </a14:hiddenFill>
             </a:ext>
             <a:ext uri="{91240B29-F687-4f45-9708-019B960494DF}">
-              <a14:hiddenLine xmlns="" xmlns:a14="http://schemas.microsoft.com/office/drawing/2010/main" w="9525">
+              <a14:hiddenLine xmlns:a14="http://schemas.microsoft.com/office/drawing/2010/main" xmlns="" w="9525">
                 <a:solidFill>
                   <a:srgbClr val="000000"/>
                 </a:solidFill>
@@ -1852,7 +1852,7 @@
           </a:ln>
           <a:extLst>
             <a:ext uri="{909E8E84-426E-40dd-AFC4-6F175D3DCCD1}">
-              <a14:hiddenFill xmlns="" xmlns:a14="http://schemas.microsoft.com/office/drawing/2010/main">
+              <a14:hiddenFill xmlns:a14="http://schemas.microsoft.com/office/drawing/2010/main" xmlns="">
                 <a:solidFill>
                   <a:srgbClr val="FFFFFF"/>
                 </a:solidFill>
@@ -1875,14 +1875,14 @@
           <a:noFill/>
           <a:extLst>
             <a:ext uri="{909E8E84-426E-40dd-AFC4-6F175D3DCCD1}">
-              <a14:hiddenFill xmlns="" xmlns:a14="http://schemas.microsoft.com/office/drawing/2010/main">
+              <a14:hiddenFill xmlns:a14="http://schemas.microsoft.com/office/drawing/2010/main" xmlns="">
                 <a:solidFill>
                   <a:srgbClr val="FFFFFF"/>
                 </a:solidFill>
               </a14:hiddenFill>
             </a:ext>
             <a:ext uri="{91240B29-F687-4f45-9708-019B960494DF}">
-              <a14:hiddenLine xmlns="" xmlns:a14="http://schemas.microsoft.com/office/drawing/2010/main" w="9525">
+              <a14:hiddenLine xmlns:a14="http://schemas.microsoft.com/office/drawing/2010/main" xmlns="" w="9525">
                 <a:solidFill>
                   <a:srgbClr val="000000"/>
                 </a:solidFill>
@@ -2098,7 +2098,7 @@
           </a:ln>
           <a:extLst>
             <a:ext uri="{909E8E84-426E-40dd-AFC4-6F175D3DCCD1}">
-              <a14:hiddenFill xmlns="" xmlns:a14="http://schemas.microsoft.com/office/drawing/2010/main">
+              <a14:hiddenFill xmlns:a14="http://schemas.microsoft.com/office/drawing/2010/main" xmlns="">
                 <a:solidFill>
                   <a:srgbClr val="FFFFFF"/>
                 </a:solidFill>
@@ -2121,14 +2121,14 @@
           <a:noFill/>
           <a:extLst>
             <a:ext uri="{909E8E84-426E-40dd-AFC4-6F175D3DCCD1}">
-              <a14:hiddenFill xmlns="" xmlns:a14="http://schemas.microsoft.com/office/drawing/2010/main">
+              <a14:hiddenFill xmlns:a14="http://schemas.microsoft.com/office/drawing/2010/main" xmlns="">
                 <a:solidFill>
                   <a:srgbClr val="FFFFFF"/>
                 </a:solidFill>
               </a14:hiddenFill>
             </a:ext>
             <a:ext uri="{91240B29-F687-4f45-9708-019B960494DF}">
-              <a14:hiddenLine xmlns="" xmlns:a14="http://schemas.microsoft.com/office/drawing/2010/main" w="9525">
+              <a14:hiddenLine xmlns:a14="http://schemas.microsoft.com/office/drawing/2010/main" xmlns="" w="9525">
                 <a:solidFill>
                   <a:srgbClr val="000000"/>
                 </a:solidFill>
@@ -2344,7 +2344,7 @@
           </a:ln>
           <a:extLst>
             <a:ext uri="{909E8E84-426E-40dd-AFC4-6F175D3DCCD1}">
-              <a14:hiddenFill xmlns="" xmlns:a14="http://schemas.microsoft.com/office/drawing/2010/main">
+              <a14:hiddenFill xmlns:a14="http://schemas.microsoft.com/office/drawing/2010/main" xmlns="">
                 <a:solidFill>
                   <a:srgbClr val="FFFFFF"/>
                 </a:solidFill>
@@ -2367,14 +2367,14 @@
           <a:noFill/>
           <a:extLst>
             <a:ext uri="{909E8E84-426E-40dd-AFC4-6F175D3DCCD1}">
-              <a14:hiddenFill xmlns="" xmlns:a14="http://schemas.microsoft.com/office/drawing/2010/main">
+              <a14:hiddenFill xmlns:a14="http://schemas.microsoft.com/office/drawing/2010/main" xmlns="">
                 <a:solidFill>
                   <a:srgbClr val="FFFFFF"/>
                 </a:solidFill>
               </a14:hiddenFill>
             </a:ext>
             <a:ext uri="{91240B29-F687-4f45-9708-019B960494DF}">
-              <a14:hiddenLine xmlns="" xmlns:a14="http://schemas.microsoft.com/office/drawing/2010/main" w="9525">
+              <a14:hiddenLine xmlns:a14="http://schemas.microsoft.com/office/drawing/2010/main" xmlns="" w="9525">
                 <a:solidFill>
                   <a:srgbClr val="000000"/>
                 </a:solidFill>
@@ -2590,7 +2590,7 @@
           </a:ln>
           <a:extLst>
             <a:ext uri="{909E8E84-426E-40dd-AFC4-6F175D3DCCD1}">
-              <a14:hiddenFill xmlns="" xmlns:a14="http://schemas.microsoft.com/office/drawing/2010/main">
+              <a14:hiddenFill xmlns:a14="http://schemas.microsoft.com/office/drawing/2010/main" xmlns="">
                 <a:solidFill>
                   <a:srgbClr val="FFFFFF"/>
                 </a:solidFill>
@@ -2613,14 +2613,14 @@
           <a:noFill/>
           <a:extLst>
             <a:ext uri="{909E8E84-426E-40dd-AFC4-6F175D3DCCD1}">
-              <a14:hiddenFill xmlns="" xmlns:a14="http://schemas.microsoft.com/office/drawing/2010/main">
+              <a14:hiddenFill xmlns:a14="http://schemas.microsoft.com/office/drawing/2010/main" xmlns="">
                 <a:solidFill>
                   <a:srgbClr val="FFFFFF"/>
                 </a:solidFill>
               </a14:hiddenFill>
             </a:ext>
             <a:ext uri="{91240B29-F687-4f45-9708-019B960494DF}">
-              <a14:hiddenLine xmlns="" xmlns:a14="http://schemas.microsoft.com/office/drawing/2010/main" w="9525">
+              <a14:hiddenLine xmlns:a14="http://schemas.microsoft.com/office/drawing/2010/main" xmlns="" w="9525">
                 <a:solidFill>
                   <a:srgbClr val="000000"/>
                 </a:solidFill>
@@ -2639,7 +2639,104 @@
           </a:bodyPr>
           <a:lstStyle/>
           <a:p>
-            <a:endParaRPr lang="zh-CN" altLang="en-US" dirty="0"/>
+            <a:r>
+              <a:rPr lang="zh-CN" altLang="en-US" dirty="0"/>
+              <a:t>代码行</a:t>
+            </a:r>
+            <a:r>
+              <a:rPr lang="en-US" altLang="zh-CN" dirty="0"/>
+              <a:t>2f </a:t>
+            </a:r>
+            <a:r>
+              <a:rPr lang="zh-CN" altLang="en-US" dirty="0"/>
+              <a:t>：</a:t>
+            </a:r>
+            <a:r>
+              <a:rPr lang="en-US" altLang="zh-CN" dirty="0"/>
+              <a:t>reject</a:t>
+            </a:r>
+            <a:r>
+              <a:rPr lang="zh-CN" altLang="en-US" dirty="0"/>
+              <a:t>里面加上</a:t>
+            </a:r>
+            <a:r>
+              <a:rPr lang="en-US" altLang="zh-CN" dirty="0" err="1"/>
+              <a:t>newroot</a:t>
+            </a:r>
+            <a:r>
+              <a:rPr lang="zh-CN" altLang="en-US" dirty="0"/>
+              <a:t>的原因是为了分辨进程</a:t>
+            </a:r>
+            <a:r>
+              <a:rPr lang="en-US" altLang="zh-CN" dirty="0"/>
+              <a:t>j</a:t>
+            </a:r>
+            <a:r>
+              <a:rPr lang="zh-CN" altLang="en-US" dirty="0"/>
+              <a:t>有可能发送给自身的多个</a:t>
+            </a:r>
+            <a:r>
+              <a:rPr lang="en-US" altLang="zh-CN" dirty="0"/>
+              <a:t>query</a:t>
+            </a:r>
+            <a:r>
+              <a:rPr lang="zh-CN" altLang="en-US" dirty="0"/>
+              <a:t>消息</a:t>
+            </a:r>
+            <a:endParaRPr lang="en-US" altLang="zh-CN" dirty="0"/>
+          </a:p>
+          <a:p>
+            <a:r>
+              <a:rPr lang="zh-CN" altLang="en-US" dirty="0"/>
+              <a:t>代码行</a:t>
+            </a:r>
+            <a:r>
+              <a:rPr lang="en-US" altLang="zh-CN" dirty="0"/>
+              <a:t>2d</a:t>
+            </a:r>
+            <a:r>
+              <a:rPr lang="zh-CN" altLang="en-US" dirty="0"/>
+              <a:t>：</a:t>
+            </a:r>
+            <a:r>
+              <a:rPr lang="en-US" altLang="zh-CN" dirty="0"/>
+              <a:t>accept(</a:t>
+            </a:r>
+            <a:r>
+              <a:rPr lang="en-US" altLang="zh-CN" dirty="0" err="1"/>
+              <a:t>newroot</a:t>
+            </a:r>
+            <a:r>
+              <a:rPr lang="en-US" altLang="zh-CN" dirty="0"/>
+              <a:t>)</a:t>
+            </a:r>
+            <a:r>
+              <a:rPr lang="zh-CN" altLang="en-US" dirty="0"/>
+              <a:t>的</a:t>
+            </a:r>
+            <a:r>
+              <a:rPr lang="en-US" altLang="zh-CN" dirty="0" err="1"/>
+              <a:t>newroot</a:t>
+            </a:r>
+            <a:r>
+              <a:rPr lang="zh-CN" altLang="en-US" dirty="0"/>
+              <a:t>是表明进程</a:t>
+            </a:r>
+            <a:r>
+              <a:rPr lang="en-US" altLang="zh-CN" dirty="0"/>
+              <a:t>j</a:t>
+            </a:r>
+            <a:r>
+              <a:rPr lang="zh-CN" altLang="en-US" dirty="0"/>
+              <a:t>接受的消息是哪一个</a:t>
+            </a:r>
+            <a:endParaRPr lang="en-US" altLang="zh-CN" dirty="0"/>
+          </a:p>
+          <a:p>
+            <a:r>
+              <a:rPr lang="zh-CN" altLang="en-US" dirty="0"/>
+              <a:t>洪泛：每个节点试图向它的所有邻居发送消息；</a:t>
+            </a:r>
           </a:p>
         </p:txBody>
       </p:sp>
@@ -2836,7 +2933,7 @@
           </a:ln>
           <a:extLst>
             <a:ext uri="{909E8E84-426E-40dd-AFC4-6F175D3DCCD1}">
-              <a14:hiddenFill xmlns="" xmlns:a14="http://schemas.microsoft.com/office/drawing/2010/main">
+              <a14:hiddenFill xmlns:a14="http://schemas.microsoft.com/office/drawing/2010/main" xmlns="">
                 <a:solidFill>
                   <a:srgbClr val="FFFFFF"/>
                 </a:solidFill>
@@ -2859,14 +2956,14 @@
           <a:noFill/>
           <a:extLst>
             <a:ext uri="{909E8E84-426E-40dd-AFC4-6F175D3DCCD1}">
-              <a14:hiddenFill xmlns="" xmlns:a14="http://schemas.microsoft.com/office/drawing/2010/main">
+              <a14:hiddenFill xmlns:a14="http://schemas.microsoft.com/office/drawing/2010/main" xmlns="">
                 <a:solidFill>
                   <a:srgbClr val="FFFFFF"/>
                 </a:solidFill>
               </a14:hiddenFill>
             </a:ext>
             <a:ext uri="{91240B29-F687-4f45-9708-019B960494DF}">
-              <a14:hiddenLine xmlns="" xmlns:a14="http://schemas.microsoft.com/office/drawing/2010/main" w="9525">
+              <a14:hiddenLine xmlns:a14="http://schemas.microsoft.com/office/drawing/2010/main" xmlns="" w="9525">
                 <a:solidFill>
                   <a:srgbClr val="000000"/>
                 </a:solidFill>
@@ -2885,7 +2982,135 @@
           </a:bodyPr>
           <a:lstStyle/>
           <a:p>
-            <a:endParaRPr lang="zh-CN" altLang="en-US" dirty="0"/>
+            <a:r>
+              <a:rPr lang="zh-CN" altLang="en-US" dirty="0"/>
+              <a:t>代码行</a:t>
+            </a:r>
+            <a:r>
+              <a:rPr lang="en-US" altLang="zh-CN" dirty="0"/>
+              <a:t>3a</a:t>
+            </a:r>
+            <a:r>
+              <a:rPr lang="zh-CN" altLang="en-US" dirty="0"/>
+              <a:t>：</a:t>
+            </a:r>
+            <a:r>
+              <a:rPr lang="en-US" altLang="zh-CN" dirty="0" err="1"/>
+              <a:t>newroot</a:t>
+            </a:r>
+            <a:r>
+              <a:rPr lang="zh-CN" altLang="en-US" dirty="0"/>
+              <a:t>与</a:t>
+            </a:r>
+            <a:r>
+              <a:rPr lang="en-US" altLang="zh-CN" dirty="0" err="1"/>
+              <a:t>myroot</a:t>
+            </a:r>
+            <a:r>
+              <a:rPr lang="zh-CN" altLang="en-US" dirty="0"/>
+              <a:t>比较的原因：</a:t>
+            </a:r>
+            <a:r>
+              <a:rPr lang="en-US" altLang="zh-CN" dirty="0" err="1"/>
+              <a:t>myroot</a:t>
+            </a:r>
+            <a:r>
+              <a:rPr lang="zh-CN" altLang="en-US" dirty="0"/>
+              <a:t>可能在</a:t>
+            </a:r>
+            <a:r>
+              <a:rPr lang="en-US" altLang="zh-CN" dirty="0" err="1"/>
+              <a:t>newroot</a:t>
+            </a:r>
+            <a:r>
+              <a:rPr lang="zh-CN" altLang="en-US" dirty="0"/>
+              <a:t>还未回来之前已经重新更新；</a:t>
+            </a:r>
+            <a:endParaRPr lang="en-US" altLang="zh-CN" dirty="0"/>
+          </a:p>
+          <a:p>
+            <a:r>
+              <a:rPr lang="zh-CN" altLang="en-US" dirty="0"/>
+              <a:t>代码行</a:t>
+            </a:r>
+            <a:r>
+              <a:rPr lang="en-US" altLang="zh-CN" dirty="0"/>
+              <a:t>3c</a:t>
+            </a:r>
+            <a:r>
+              <a:rPr lang="zh-CN" altLang="en-US" dirty="0"/>
+              <a:t>：</a:t>
+            </a:r>
+            <a:r>
+              <a:rPr lang="en-US" altLang="zh-CN" dirty="0"/>
+              <a:t>children</a:t>
+            </a:r>
+            <a:r>
+              <a:rPr lang="zh-CN" altLang="en-US" dirty="0"/>
+              <a:t>和</a:t>
+            </a:r>
+            <a:r>
+              <a:rPr lang="en-US" altLang="zh-CN" dirty="0"/>
+              <a:t>unrelated</a:t>
+            </a:r>
+            <a:r>
+              <a:rPr lang="zh-CN" altLang="en-US" dirty="0"/>
+              <a:t>都是邻居，但是并不是所有的邻居节点都是你的</a:t>
+            </a:r>
+            <a:r>
+              <a:rPr lang="en-US" altLang="zh-CN" dirty="0"/>
+              <a:t>children,</a:t>
+            </a:r>
+            <a:r>
+              <a:rPr lang="zh-CN" altLang="en-US" dirty="0"/>
+              <a:t>有的是你的兄弟节点，记为</a:t>
+            </a:r>
+            <a:r>
+              <a:rPr lang="en-US" altLang="zh-CN" dirty="0"/>
+              <a:t>unrelated</a:t>
+            </a:r>
+            <a:r>
+              <a:rPr lang="zh-CN" altLang="en-US" dirty="0"/>
+              <a:t>；</a:t>
+            </a:r>
+            <a:endParaRPr lang="en-US" altLang="zh-CN" dirty="0"/>
+          </a:p>
+          <a:p>
+            <a:r>
+              <a:rPr lang="zh-CN" altLang="en-US" dirty="0"/>
+              <a:t>代码行</a:t>
+            </a:r>
+            <a:r>
+              <a:rPr lang="en-US" altLang="zh-CN" dirty="0"/>
+              <a:t>3d</a:t>
+            </a:r>
+            <a:r>
+              <a:rPr lang="zh-CN" altLang="en-US" dirty="0"/>
+              <a:t>：我是树根，我可以终止所有的操作；</a:t>
+            </a:r>
+            <a:endParaRPr lang="en-US" altLang="zh-CN" dirty="0"/>
+          </a:p>
+          <a:p>
+            <a:r>
+              <a:rPr lang="zh-CN" altLang="en-US" dirty="0"/>
+              <a:t>代码行</a:t>
+            </a:r>
+            <a:r>
+              <a:rPr lang="en-US" altLang="zh-CN" dirty="0"/>
+              <a:t>3f</a:t>
+            </a:r>
+            <a:r>
+              <a:rPr lang="zh-CN" altLang="en-US" dirty="0"/>
+              <a:t>：我不是树根，向父节点返回</a:t>
+            </a:r>
+            <a:r>
+              <a:rPr lang="en-US" altLang="zh-CN" dirty="0"/>
+              <a:t>accept</a:t>
+            </a:r>
+            <a:r>
+              <a:rPr lang="zh-CN" altLang="en-US" dirty="0"/>
+              <a:t>；</a:t>
+            </a:r>
           </a:p>
         </p:txBody>
       </p:sp>
@@ -3082,7 +3307,7 @@
           </a:ln>
           <a:extLst>
             <a:ext uri="{909E8E84-426E-40dd-AFC4-6F175D3DCCD1}">
-              <a14:hiddenFill xmlns="" xmlns:a14="http://schemas.microsoft.com/office/drawing/2010/main">
+              <a14:hiddenFill xmlns:a14="http://schemas.microsoft.com/office/drawing/2010/main" xmlns="">
                 <a:solidFill>
                   <a:srgbClr val="FFFFFF"/>
                 </a:solidFill>
@@ -3105,14 +3330,14 @@
           <a:noFill/>
           <a:extLst>
             <a:ext uri="{909E8E84-426E-40dd-AFC4-6F175D3DCCD1}">
-              <a14:hiddenFill xmlns="" xmlns:a14="http://schemas.microsoft.com/office/drawing/2010/main">
+              <a14:hiddenFill xmlns:a14="http://schemas.microsoft.com/office/drawing/2010/main" xmlns="">
                 <a:solidFill>
                   <a:srgbClr val="FFFFFF"/>
                 </a:solidFill>
               </a14:hiddenFill>
             </a:ext>
             <a:ext uri="{91240B29-F687-4f45-9708-019B960494DF}">
-              <a14:hiddenLine xmlns="" xmlns:a14="http://schemas.microsoft.com/office/drawing/2010/main" w="9525">
+              <a14:hiddenLine xmlns:a14="http://schemas.microsoft.com/office/drawing/2010/main" xmlns="" w="9525">
                 <a:solidFill>
                   <a:srgbClr val="000000"/>
                 </a:solidFill>
@@ -3328,7 +3553,7 @@
           </a:ln>
           <a:extLst>
             <a:ext uri="{909E8E84-426E-40dd-AFC4-6F175D3DCCD1}">
-              <a14:hiddenFill xmlns="" xmlns:a14="http://schemas.microsoft.com/office/drawing/2010/main">
+              <a14:hiddenFill xmlns:a14="http://schemas.microsoft.com/office/drawing/2010/main" xmlns="">
                 <a:solidFill>
                   <a:srgbClr val="FFFFFF"/>
                 </a:solidFill>
@@ -3351,14 +3576,14 @@
           <a:noFill/>
           <a:extLst>
             <a:ext uri="{909E8E84-426E-40dd-AFC4-6F175D3DCCD1}">
-              <a14:hiddenFill xmlns="" xmlns:a14="http://schemas.microsoft.com/office/drawing/2010/main">
+              <a14:hiddenFill xmlns:a14="http://schemas.microsoft.com/office/drawing/2010/main" xmlns="">
                 <a:solidFill>
                   <a:srgbClr val="FFFFFF"/>
                 </a:solidFill>
               </a14:hiddenFill>
             </a:ext>
             <a:ext uri="{91240B29-F687-4f45-9708-019B960494DF}">
-              <a14:hiddenLine xmlns="" xmlns:a14="http://schemas.microsoft.com/office/drawing/2010/main" w="9525">
+              <a14:hiddenLine xmlns:a14="http://schemas.microsoft.com/office/drawing/2010/main" xmlns="" w="9525">
                 <a:solidFill>
                   <a:srgbClr val="000000"/>
                 </a:solidFill>
@@ -3574,7 +3799,7 @@
           </a:ln>
           <a:extLst>
             <a:ext uri="{909E8E84-426E-40dd-AFC4-6F175D3DCCD1}">
-              <a14:hiddenFill xmlns="" xmlns:a14="http://schemas.microsoft.com/office/drawing/2010/main">
+              <a14:hiddenFill xmlns:a14="http://schemas.microsoft.com/office/drawing/2010/main" xmlns="">
                 <a:solidFill>
                   <a:srgbClr val="FFFFFF"/>
                 </a:solidFill>
@@ -3597,14 +3822,14 @@
           <a:noFill/>
           <a:extLst>
             <a:ext uri="{909E8E84-426E-40dd-AFC4-6F175D3DCCD1}">
-              <a14:hiddenFill xmlns="" xmlns:a14="http://schemas.microsoft.com/office/drawing/2010/main">
+              <a14:hiddenFill xmlns:a14="http://schemas.microsoft.com/office/drawing/2010/main" xmlns="">
                 <a:solidFill>
                   <a:srgbClr val="FFFFFF"/>
                 </a:solidFill>
               </a14:hiddenFill>
             </a:ext>
             <a:ext uri="{91240B29-F687-4f45-9708-019B960494DF}">
-              <a14:hiddenLine xmlns="" xmlns:a14="http://schemas.microsoft.com/office/drawing/2010/main" w="9525">
+              <a14:hiddenLine xmlns:a14="http://schemas.microsoft.com/office/drawing/2010/main" xmlns="" w="9525">
                 <a:solidFill>
                   <a:srgbClr val="000000"/>
                 </a:solidFill>
@@ -3820,7 +4045,7 @@
           </a:ln>
           <a:extLst>
             <a:ext uri="{909E8E84-426E-40dd-AFC4-6F175D3DCCD1}">
-              <a14:hiddenFill xmlns="" xmlns:a14="http://schemas.microsoft.com/office/drawing/2010/main">
+              <a14:hiddenFill xmlns:a14="http://schemas.microsoft.com/office/drawing/2010/main" xmlns="">
                 <a:solidFill>
                   <a:srgbClr val="FFFFFF"/>
                 </a:solidFill>
@@ -3843,14 +4068,14 @@
           <a:noFill/>
           <a:extLst>
             <a:ext uri="{909E8E84-426E-40dd-AFC4-6F175D3DCCD1}">
-              <a14:hiddenFill xmlns="" xmlns:a14="http://schemas.microsoft.com/office/drawing/2010/main">
+              <a14:hiddenFill xmlns:a14="http://schemas.microsoft.com/office/drawing/2010/main" xmlns="">
                 <a:solidFill>
                   <a:srgbClr val="FFFFFF"/>
                 </a:solidFill>
               </a14:hiddenFill>
             </a:ext>
             <a:ext uri="{91240B29-F687-4f45-9708-019B960494DF}">
-              <a14:hiddenLine xmlns="" xmlns:a14="http://schemas.microsoft.com/office/drawing/2010/main" w="9525">
+              <a14:hiddenLine xmlns:a14="http://schemas.microsoft.com/office/drawing/2010/main" xmlns="" w="9525">
                 <a:solidFill>
                   <a:srgbClr val="000000"/>
                 </a:solidFill>
@@ -4066,7 +4291,7 @@
           </a:ln>
           <a:extLst>
             <a:ext uri="{909E8E84-426E-40dd-AFC4-6F175D3DCCD1}">
-              <a14:hiddenFill xmlns="" xmlns:a14="http://schemas.microsoft.com/office/drawing/2010/main">
+              <a14:hiddenFill xmlns:a14="http://schemas.microsoft.com/office/drawing/2010/main" xmlns="">
                 <a:solidFill>
                   <a:srgbClr val="FFFFFF"/>
                 </a:solidFill>
@@ -4089,14 +4314,14 @@
           <a:noFill/>
           <a:extLst>
             <a:ext uri="{909E8E84-426E-40dd-AFC4-6F175D3DCCD1}">
-              <a14:hiddenFill xmlns="" xmlns:a14="http://schemas.microsoft.com/office/drawing/2010/main">
+              <a14:hiddenFill xmlns:a14="http://schemas.microsoft.com/office/drawing/2010/main" xmlns="">
                 <a:solidFill>
                   <a:srgbClr val="FFFFFF"/>
                 </a:solidFill>
               </a14:hiddenFill>
             </a:ext>
             <a:ext uri="{91240B29-F687-4f45-9708-019B960494DF}">
-              <a14:hiddenLine xmlns="" xmlns:a14="http://schemas.microsoft.com/office/drawing/2010/main" w="9525">
+              <a14:hiddenLine xmlns:a14="http://schemas.microsoft.com/office/drawing/2010/main" xmlns="" w="9525">
                 <a:solidFill>
                   <a:srgbClr val="000000"/>
                 </a:solidFill>
@@ -4312,7 +4537,7 @@
           </a:ln>
           <a:extLst>
             <a:ext uri="{909E8E84-426E-40dd-AFC4-6F175D3DCCD1}">
-              <a14:hiddenFill xmlns="" xmlns:a14="http://schemas.microsoft.com/office/drawing/2010/main">
+              <a14:hiddenFill xmlns:a14="http://schemas.microsoft.com/office/drawing/2010/main" xmlns="">
                 <a:solidFill>
                   <a:srgbClr val="FFFFFF"/>
                 </a:solidFill>
@@ -4335,14 +4560,14 @@
           <a:noFill/>
           <a:extLst>
             <a:ext uri="{909E8E84-426E-40dd-AFC4-6F175D3DCCD1}">
-              <a14:hiddenFill xmlns="" xmlns:a14="http://schemas.microsoft.com/office/drawing/2010/main">
+              <a14:hiddenFill xmlns:a14="http://schemas.microsoft.com/office/drawing/2010/main" xmlns="">
                 <a:solidFill>
                   <a:srgbClr val="FFFFFF"/>
                 </a:solidFill>
               </a14:hiddenFill>
             </a:ext>
             <a:ext uri="{91240B29-F687-4f45-9708-019B960494DF}">
-              <a14:hiddenLine xmlns="" xmlns:a14="http://schemas.microsoft.com/office/drawing/2010/main" w="9525">
+              <a14:hiddenLine xmlns:a14="http://schemas.microsoft.com/office/drawing/2010/main" xmlns="" w="9525">
                 <a:solidFill>
                   <a:srgbClr val="000000"/>
                 </a:solidFill>
@@ -4361,7 +4586,18 @@
           </a:bodyPr>
           <a:lstStyle/>
           <a:p>
-            <a:endParaRPr lang="zh-CN" altLang="en-US" dirty="0"/>
+            <a:r>
+              <a:rPr lang="zh-CN" altLang="en-US" dirty="0"/>
+              <a:t>同步的意义：每个节点同步执行以上代码，</a:t>
+            </a:r>
+            <a:r>
+              <a:rPr lang="en-US" altLang="zh-CN" dirty="0"/>
+              <a:t>for</a:t>
+            </a:r>
+            <a:r>
+              <a:rPr lang="zh-CN" altLang="en-US" dirty="0"/>
+              <a:t>循环内的执行进度是一样的，不现实！</a:t>
+            </a:r>
           </a:p>
         </p:txBody>
       </p:sp>
@@ -4558,7 +4794,7 @@
           </a:ln>
           <a:extLst>
             <a:ext uri="{909E8E84-426E-40dd-AFC4-6F175D3DCCD1}">
-              <a14:hiddenFill xmlns="" xmlns:a14="http://schemas.microsoft.com/office/drawing/2010/main">
+              <a14:hiddenFill xmlns:a14="http://schemas.microsoft.com/office/drawing/2010/main" xmlns="">
                 <a:solidFill>
                   <a:srgbClr val="FFFFFF"/>
                 </a:solidFill>
@@ -4581,14 +4817,14 @@
           <a:noFill/>
           <a:extLst>
             <a:ext uri="{909E8E84-426E-40dd-AFC4-6F175D3DCCD1}">
-              <a14:hiddenFill xmlns="" xmlns:a14="http://schemas.microsoft.com/office/drawing/2010/main">
+              <a14:hiddenFill xmlns:a14="http://schemas.microsoft.com/office/drawing/2010/main" xmlns="">
                 <a:solidFill>
                   <a:srgbClr val="FFFFFF"/>
                 </a:solidFill>
               </a14:hiddenFill>
             </a:ext>
             <a:ext uri="{91240B29-F687-4f45-9708-019B960494DF}">
-              <a14:hiddenLine xmlns="" xmlns:a14="http://schemas.microsoft.com/office/drawing/2010/main" w="9525">
+              <a14:hiddenLine xmlns:a14="http://schemas.microsoft.com/office/drawing/2010/main" xmlns="" w="9525">
                 <a:solidFill>
                   <a:srgbClr val="000000"/>
                 </a:solidFill>
@@ -4804,7 +5040,7 @@
           </a:ln>
           <a:extLst>
             <a:ext uri="{909E8E84-426E-40dd-AFC4-6F175D3DCCD1}">
-              <a14:hiddenFill xmlns="" xmlns:a14="http://schemas.microsoft.com/office/drawing/2010/main">
+              <a14:hiddenFill xmlns:a14="http://schemas.microsoft.com/office/drawing/2010/main" xmlns="">
                 <a:solidFill>
                   <a:srgbClr val="FFFFFF"/>
                 </a:solidFill>
@@ -4827,14 +5063,14 @@
           <a:noFill/>
           <a:extLst>
             <a:ext uri="{909E8E84-426E-40dd-AFC4-6F175D3DCCD1}">
-              <a14:hiddenFill xmlns="" xmlns:a14="http://schemas.microsoft.com/office/drawing/2010/main">
+              <a14:hiddenFill xmlns:a14="http://schemas.microsoft.com/office/drawing/2010/main" xmlns="">
                 <a:solidFill>
                   <a:srgbClr val="FFFFFF"/>
                 </a:solidFill>
               </a14:hiddenFill>
             </a:ext>
             <a:ext uri="{91240B29-F687-4f45-9708-019B960494DF}">
-              <a14:hiddenLine xmlns="" xmlns:a14="http://schemas.microsoft.com/office/drawing/2010/main" w="9525">
+              <a14:hiddenLine xmlns:a14="http://schemas.microsoft.com/office/drawing/2010/main" xmlns="" w="9525">
                 <a:solidFill>
                   <a:srgbClr val="000000"/>
                 </a:solidFill>
@@ -5050,7 +5286,7 @@
           </a:ln>
           <a:extLst>
             <a:ext uri="{909E8E84-426E-40dd-AFC4-6F175D3DCCD1}">
-              <a14:hiddenFill xmlns="" xmlns:a14="http://schemas.microsoft.com/office/drawing/2010/main">
+              <a14:hiddenFill xmlns:a14="http://schemas.microsoft.com/office/drawing/2010/main" xmlns="">
                 <a:solidFill>
                   <a:srgbClr val="FFFFFF"/>
                 </a:solidFill>
@@ -5073,14 +5309,14 @@
           <a:noFill/>
           <a:extLst>
             <a:ext uri="{909E8E84-426E-40dd-AFC4-6F175D3DCCD1}">
-              <a14:hiddenFill xmlns="" xmlns:a14="http://schemas.microsoft.com/office/drawing/2010/main">
+              <a14:hiddenFill xmlns:a14="http://schemas.microsoft.com/office/drawing/2010/main" xmlns="">
                 <a:solidFill>
                   <a:srgbClr val="FFFFFF"/>
                 </a:solidFill>
               </a14:hiddenFill>
             </a:ext>
             <a:ext uri="{91240B29-F687-4f45-9708-019B960494DF}">
-              <a14:hiddenLine xmlns="" xmlns:a14="http://schemas.microsoft.com/office/drawing/2010/main" w="9525">
+              <a14:hiddenLine xmlns:a14="http://schemas.microsoft.com/office/drawing/2010/main" xmlns="" w="9525">
                 <a:solidFill>
                   <a:srgbClr val="000000"/>
                 </a:solidFill>
@@ -5296,7 +5532,7 @@
           </a:ln>
           <a:extLst>
             <a:ext uri="{909E8E84-426E-40dd-AFC4-6F175D3DCCD1}">
-              <a14:hiddenFill xmlns="" xmlns:a14="http://schemas.microsoft.com/office/drawing/2010/main">
+              <a14:hiddenFill xmlns:a14="http://schemas.microsoft.com/office/drawing/2010/main" xmlns="">
                 <a:solidFill>
                   <a:srgbClr val="FFFFFF"/>
                 </a:solidFill>
@@ -5319,14 +5555,14 @@
           <a:noFill/>
           <a:extLst>
             <a:ext uri="{909E8E84-426E-40dd-AFC4-6F175D3DCCD1}">
-              <a14:hiddenFill xmlns="" xmlns:a14="http://schemas.microsoft.com/office/drawing/2010/main">
+              <a14:hiddenFill xmlns:a14="http://schemas.microsoft.com/office/drawing/2010/main" xmlns="">
                 <a:solidFill>
                   <a:srgbClr val="FFFFFF"/>
                 </a:solidFill>
               </a14:hiddenFill>
             </a:ext>
             <a:ext uri="{91240B29-F687-4f45-9708-019B960494DF}">
-              <a14:hiddenLine xmlns="" xmlns:a14="http://schemas.microsoft.com/office/drawing/2010/main" w="9525">
+              <a14:hiddenLine xmlns:a14="http://schemas.microsoft.com/office/drawing/2010/main" xmlns="" w="9525">
                 <a:solidFill>
                   <a:srgbClr val="000000"/>
                 </a:solidFill>
@@ -8288,14 +8524,14 @@
           </a:ln>
           <a:extLst>
             <a:ext uri="{909E8E84-426E-40dd-AFC4-6F175D3DCCD1}">
-              <a14:hiddenFill xmlns="" xmlns:a14="http://schemas.microsoft.com/office/drawing/2010/main">
+              <a14:hiddenFill xmlns:a14="http://schemas.microsoft.com/office/drawing/2010/main" xmlns="">
                 <a:solidFill>
                   <a:srgbClr val="FFFFFF"/>
                 </a:solidFill>
               </a14:hiddenFill>
             </a:ext>
             <a:ext uri="{91240B29-F687-4f45-9708-019B960494DF}">
-              <a14:hiddenLine xmlns="" xmlns:a14="http://schemas.microsoft.com/office/drawing/2010/main" w="9525">
+              <a14:hiddenLine xmlns:a14="http://schemas.microsoft.com/office/drawing/2010/main" xmlns="" w="9525">
                 <a:solidFill>
                   <a:srgbClr val="000000"/>
                 </a:solidFill>
@@ -8346,14 +8582,14 @@
           </a:ln>
           <a:extLst>
             <a:ext uri="{909E8E84-426E-40dd-AFC4-6F175D3DCCD1}">
-              <a14:hiddenFill xmlns="" xmlns:a14="http://schemas.microsoft.com/office/drawing/2010/main">
+              <a14:hiddenFill xmlns:a14="http://schemas.microsoft.com/office/drawing/2010/main" xmlns="">
                 <a:solidFill>
                   <a:srgbClr val="FFFFFF"/>
                 </a:solidFill>
               </a14:hiddenFill>
             </a:ext>
             <a:ext uri="{91240B29-F687-4f45-9708-019B960494DF}">
-              <a14:hiddenLine xmlns="" xmlns:a14="http://schemas.microsoft.com/office/drawing/2010/main" w="9525">
+              <a14:hiddenLine xmlns:a14="http://schemas.microsoft.com/office/drawing/2010/main" xmlns="" w="9525">
                 <a:solidFill>
                   <a:srgbClr val="000000"/>
                 </a:solidFill>
@@ -9001,14 +9237,14 @@
           </a:ln>
           <a:extLst>
             <a:ext uri="{909E8E84-426E-40dd-AFC4-6F175D3DCCD1}">
-              <a14:hiddenFill xmlns="" xmlns:a14="http://schemas.microsoft.com/office/drawing/2010/main">
+              <a14:hiddenFill xmlns:a14="http://schemas.microsoft.com/office/drawing/2010/main" xmlns="">
                 <a:solidFill>
                   <a:srgbClr val="FFFFFF"/>
                 </a:solidFill>
               </a14:hiddenFill>
             </a:ext>
             <a:ext uri="{91240B29-F687-4f45-9708-019B960494DF}">
-              <a14:hiddenLine xmlns="" xmlns:a14="http://schemas.microsoft.com/office/drawing/2010/main" w="9525">
+              <a14:hiddenLine xmlns:a14="http://schemas.microsoft.com/office/drawing/2010/main" xmlns="" w="9525">
                 <a:solidFill>
                   <a:srgbClr val="000000"/>
                 </a:solidFill>
@@ -9172,14 +9408,14 @@
           </a:ln>
           <a:extLst>
             <a:ext uri="{909E8E84-426E-40dd-AFC4-6F175D3DCCD1}">
-              <a14:hiddenFill xmlns="" xmlns:a14="http://schemas.microsoft.com/office/drawing/2010/main">
+              <a14:hiddenFill xmlns:a14="http://schemas.microsoft.com/office/drawing/2010/main" xmlns="">
                 <a:solidFill>
                   <a:srgbClr val="FFFFFF"/>
                 </a:solidFill>
               </a14:hiddenFill>
             </a:ext>
             <a:ext uri="{91240B29-F687-4f45-9708-019B960494DF}">
-              <a14:hiddenLine xmlns="" xmlns:a14="http://schemas.microsoft.com/office/drawing/2010/main" w="9525">
+              <a14:hiddenLine xmlns:a14="http://schemas.microsoft.com/office/drawing/2010/main" xmlns="" w="9525">
                 <a:solidFill>
                   <a:srgbClr val="000000"/>
                 </a:solidFill>
@@ -9365,14 +9601,14 @@
           </a:ln>
           <a:extLst>
             <a:ext uri="{909E8E84-426E-40dd-AFC4-6F175D3DCCD1}">
-              <a14:hiddenFill xmlns="" xmlns:a14="http://schemas.microsoft.com/office/drawing/2010/main">
+              <a14:hiddenFill xmlns:a14="http://schemas.microsoft.com/office/drawing/2010/main" xmlns="">
                 <a:solidFill>
                   <a:srgbClr val="FFFFFF"/>
                 </a:solidFill>
               </a14:hiddenFill>
             </a:ext>
             <a:ext uri="{91240B29-F687-4f45-9708-019B960494DF}">
-              <a14:hiddenLine xmlns="" xmlns:a14="http://schemas.microsoft.com/office/drawing/2010/main" w="9525">
+              <a14:hiddenLine xmlns:a14="http://schemas.microsoft.com/office/drawing/2010/main" xmlns="" w="9525">
                 <a:solidFill>
                   <a:srgbClr val="000000"/>
                 </a:solidFill>
@@ -9419,14 +9655,14 @@
           </a:ln>
           <a:extLst>
             <a:ext uri="{909E8E84-426E-40dd-AFC4-6F175D3DCCD1}">
-              <a14:hiddenFill xmlns="" xmlns:a14="http://schemas.microsoft.com/office/drawing/2010/main">
+              <a14:hiddenFill xmlns:a14="http://schemas.microsoft.com/office/drawing/2010/main" xmlns="">
                 <a:solidFill>
                   <a:srgbClr val="FFFFFF"/>
                 </a:solidFill>
               </a14:hiddenFill>
             </a:ext>
             <a:ext uri="{91240B29-F687-4f45-9708-019B960494DF}">
-              <a14:hiddenLine xmlns="" xmlns:a14="http://schemas.microsoft.com/office/drawing/2010/main" w="9525">
+              <a14:hiddenLine xmlns:a14="http://schemas.microsoft.com/office/drawing/2010/main" xmlns="" w="9525">
                 <a:solidFill>
                   <a:srgbClr val="000000"/>
                 </a:solidFill>
@@ -9568,14 +9804,14 @@
           </a:ln>
           <a:extLst>
             <a:ext uri="{909E8E84-426E-40dd-AFC4-6F175D3DCCD1}">
-              <a14:hiddenFill xmlns:a14="http://schemas.microsoft.com/office/drawing/2010/main" xmlns="">
+              <a14:hiddenFill xmlns="" xmlns:a14="http://schemas.microsoft.com/office/drawing/2010/main">
                 <a:solidFill>
                   <a:srgbClr val="FFFFFF"/>
                 </a:solidFill>
               </a14:hiddenFill>
             </a:ext>
             <a:ext uri="{91240B29-F687-4f45-9708-019B960494DF}">
-              <a14:hiddenLine xmlns:a14="http://schemas.microsoft.com/office/drawing/2010/main" xmlns="" w="9525">
+              <a14:hiddenLine xmlns="" xmlns:a14="http://schemas.microsoft.com/office/drawing/2010/main" w="9525">
                 <a:solidFill>
                   <a:srgbClr val="000000"/>
                 </a:solidFill>
@@ -9821,14 +10057,14 @@
           </a:ln>
           <a:extLst>
             <a:ext uri="{909E8E84-426E-40dd-AFC4-6F175D3DCCD1}">
-              <a14:hiddenFill xmlns="" xmlns:a14="http://schemas.microsoft.com/office/drawing/2010/main">
+              <a14:hiddenFill xmlns:a14="http://schemas.microsoft.com/office/drawing/2010/main" xmlns="">
                 <a:solidFill>
                   <a:srgbClr val="FFFFFF"/>
                 </a:solidFill>
               </a14:hiddenFill>
             </a:ext>
             <a:ext uri="{91240B29-F687-4f45-9708-019B960494DF}">
-              <a14:hiddenLine xmlns="" xmlns:a14="http://schemas.microsoft.com/office/drawing/2010/main" w="9525">
+              <a14:hiddenLine xmlns:a14="http://schemas.microsoft.com/office/drawing/2010/main" xmlns="" w="9525">
                 <a:solidFill>
                   <a:srgbClr val="000000"/>
                 </a:solidFill>
@@ -10022,14 +10258,14 @@
           <a:noFill/>
           <a:extLst>
             <a:ext uri="{909E8E84-426E-40dd-AFC4-6F175D3DCCD1}">
-              <a14:hiddenFill xmlns="" xmlns:a14="http://schemas.microsoft.com/office/drawing/2010/main">
+              <a14:hiddenFill xmlns:a14="http://schemas.microsoft.com/office/drawing/2010/main" xmlns="">
                 <a:solidFill>
                   <a:srgbClr val="FFFFFF"/>
                 </a:solidFill>
               </a14:hiddenFill>
             </a:ext>
             <a:ext uri="{91240B29-F687-4f45-9708-019B960494DF}">
-              <a14:hiddenLine xmlns="" xmlns:a14="http://schemas.microsoft.com/office/drawing/2010/main" w="9525">
+              <a14:hiddenLine xmlns:a14="http://schemas.microsoft.com/office/drawing/2010/main" xmlns="" w="9525">
                 <a:solidFill>
                   <a:srgbClr val="000000"/>
                 </a:solidFill>
@@ -10248,14 +10484,14 @@
           </a:ln>
           <a:extLst>
             <a:ext uri="{909E8E84-426E-40dd-AFC4-6F175D3DCCD1}">
-              <a14:hiddenFill xmlns="" xmlns:a14="http://schemas.microsoft.com/office/drawing/2010/main">
+              <a14:hiddenFill xmlns:a14="http://schemas.microsoft.com/office/drawing/2010/main" xmlns="">
                 <a:solidFill>
                   <a:srgbClr val="FFFFFF"/>
                 </a:solidFill>
               </a14:hiddenFill>
             </a:ext>
             <a:ext uri="{91240B29-F687-4f45-9708-019B960494DF}">
-              <a14:hiddenLine xmlns="" xmlns:a14="http://schemas.microsoft.com/office/drawing/2010/main" w="9525">
+              <a14:hiddenLine xmlns:a14="http://schemas.microsoft.com/office/drawing/2010/main" xmlns="" w="9525">
                 <a:solidFill>
                   <a:srgbClr val="000000"/>
                 </a:solidFill>
@@ -10267,8 +10503,8 @@
           </a:extLst>
         </p:spPr>
       </p:pic>
-      <mc:AlternateContent xmlns:mc="http://schemas.openxmlformats.org/markup-compatibility/2006">
-        <mc:Choice xmlns:a14="http://schemas.microsoft.com/office/drawing/2010/main" Requires="a14">
+      <mc:AlternateContent xmlns:mc="http://schemas.openxmlformats.org/markup-compatibility/2006" xmlns:a14="http://schemas.microsoft.com/office/drawing/2010/main">
+        <mc:Choice Requires="a14">
           <p:sp>
             <p:nvSpPr>
               <p:cNvPr id="6" name="Subtitle 2">
@@ -10733,7 +10969,7 @@
             </p:txBody>
           </p:sp>
         </mc:Choice>
-        <mc:Fallback>
+        <mc:Fallback xmlns="">
           <p:sp>
             <p:nvSpPr>
               <p:cNvPr id="6" name="Subtitle 2">
@@ -10882,14 +11118,14 @@
           </a:ln>
           <a:extLst>
             <a:ext uri="{909E8E84-426E-40dd-AFC4-6F175D3DCCD1}">
-              <a14:hiddenFill xmlns="" xmlns:a14="http://schemas.microsoft.com/office/drawing/2010/main">
+              <a14:hiddenFill xmlns:a14="http://schemas.microsoft.com/office/drawing/2010/main" xmlns="">
                 <a:solidFill>
                   <a:srgbClr val="FFFFFF"/>
                 </a:solidFill>
               </a14:hiddenFill>
             </a:ext>
             <a:ext uri="{91240B29-F687-4f45-9708-019B960494DF}">
-              <a14:hiddenLine xmlns="" xmlns:a14="http://schemas.microsoft.com/office/drawing/2010/main" w="9525">
+              <a14:hiddenLine xmlns:a14="http://schemas.microsoft.com/office/drawing/2010/main" xmlns="" w="9525">
                 <a:solidFill>
                   <a:srgbClr val="000000"/>
                 </a:solidFill>
@@ -11083,14 +11319,14 @@
           <a:noFill/>
           <a:extLst>
             <a:ext uri="{909E8E84-426E-40dd-AFC4-6F175D3DCCD1}">
-              <a14:hiddenFill xmlns="" xmlns:a14="http://schemas.microsoft.com/office/drawing/2010/main">
+              <a14:hiddenFill xmlns:a14="http://schemas.microsoft.com/office/drawing/2010/main" xmlns="">
                 <a:solidFill>
                   <a:srgbClr val="FFFFFF"/>
                 </a:solidFill>
               </a14:hiddenFill>
             </a:ext>
             <a:ext uri="{91240B29-F687-4f45-9708-019B960494DF}">
-              <a14:hiddenLine xmlns="" xmlns:a14="http://schemas.microsoft.com/office/drawing/2010/main" w="9525">
+              <a14:hiddenLine xmlns:a14="http://schemas.microsoft.com/office/drawing/2010/main" xmlns="" w="9525">
                 <a:solidFill>
                   <a:srgbClr val="000000"/>
                 </a:solidFill>
@@ -11309,14 +11545,14 @@
           </a:ln>
           <a:extLst>
             <a:ext uri="{909E8E84-426E-40dd-AFC4-6F175D3DCCD1}">
-              <a14:hiddenFill xmlns="" xmlns:a14="http://schemas.microsoft.com/office/drawing/2010/main">
+              <a14:hiddenFill xmlns:a14="http://schemas.microsoft.com/office/drawing/2010/main" xmlns="">
                 <a:solidFill>
                   <a:srgbClr val="FFFFFF"/>
                 </a:solidFill>
               </a14:hiddenFill>
             </a:ext>
             <a:ext uri="{91240B29-F687-4f45-9708-019B960494DF}">
-              <a14:hiddenLine xmlns="" xmlns:a14="http://schemas.microsoft.com/office/drawing/2010/main" w="9525">
+              <a14:hiddenLine xmlns:a14="http://schemas.microsoft.com/office/drawing/2010/main" xmlns="" w="9525">
                 <a:solidFill>
                   <a:srgbClr val="000000"/>
                 </a:solidFill>
@@ -11677,8 +11913,8 @@
           </a:prstGeom>
         </p:spPr>
       </p:pic>
-      <mc:AlternateContent xmlns:mc="http://schemas.openxmlformats.org/markup-compatibility/2006">
-        <mc:Choice xmlns:a14="http://schemas.microsoft.com/office/drawing/2010/main" Requires="a14">
+      <mc:AlternateContent xmlns:mc="http://schemas.openxmlformats.org/markup-compatibility/2006" xmlns:a14="http://schemas.microsoft.com/office/drawing/2010/main">
+        <mc:Choice Requires="a14">
           <p:sp>
             <p:nvSpPr>
               <p:cNvPr id="8" name="对话气泡: 矩形 7">
@@ -11773,7 +12009,7 @@
             </p:txBody>
           </p:sp>
         </mc:Choice>
-        <mc:Fallback>
+        <mc:Fallback xmlns="">
           <p:sp>
             <p:nvSpPr>
               <p:cNvPr id="8" name="对话气泡: 矩形 7">
@@ -12332,14 +12568,14 @@
           </a:ln>
           <a:extLst>
             <a:ext uri="{909E8E84-426E-40dd-AFC4-6F175D3DCCD1}">
-              <a14:hiddenFill xmlns="" xmlns:a14="http://schemas.microsoft.com/office/drawing/2010/main">
+              <a14:hiddenFill xmlns:a14="http://schemas.microsoft.com/office/drawing/2010/main" xmlns="">
                 <a:solidFill>
                   <a:srgbClr val="FFFFFF"/>
                 </a:solidFill>
               </a14:hiddenFill>
             </a:ext>
             <a:ext uri="{91240B29-F687-4f45-9708-019B960494DF}">
-              <a14:hiddenLine xmlns="" xmlns:a14="http://schemas.microsoft.com/office/drawing/2010/main" w="9525">
+              <a14:hiddenLine xmlns:a14="http://schemas.microsoft.com/office/drawing/2010/main" xmlns="" w="9525">
                 <a:solidFill>
                   <a:srgbClr val="000000"/>
                 </a:solidFill>
@@ -12533,14 +12769,14 @@
           <a:noFill/>
           <a:extLst>
             <a:ext uri="{909E8E84-426E-40dd-AFC4-6F175D3DCCD1}">
-              <a14:hiddenFill xmlns="" xmlns:a14="http://schemas.microsoft.com/office/drawing/2010/main">
+              <a14:hiddenFill xmlns:a14="http://schemas.microsoft.com/office/drawing/2010/main" xmlns="">
                 <a:solidFill>
                   <a:srgbClr val="FFFFFF"/>
                 </a:solidFill>
               </a14:hiddenFill>
             </a:ext>
             <a:ext uri="{91240B29-F687-4f45-9708-019B960494DF}">
-              <a14:hiddenLine xmlns="" xmlns:a14="http://schemas.microsoft.com/office/drawing/2010/main" w="9525">
+              <a14:hiddenLine xmlns:a14="http://schemas.microsoft.com/office/drawing/2010/main" xmlns="" w="9525">
                 <a:solidFill>
                   <a:srgbClr val="000000"/>
                 </a:solidFill>
@@ -12759,14 +12995,14 @@
           </a:ln>
           <a:extLst>
             <a:ext uri="{909E8E84-426E-40dd-AFC4-6F175D3DCCD1}">
-              <a14:hiddenFill xmlns="" xmlns:a14="http://schemas.microsoft.com/office/drawing/2010/main">
+              <a14:hiddenFill xmlns:a14="http://schemas.microsoft.com/office/drawing/2010/main" xmlns="">
                 <a:solidFill>
                   <a:srgbClr val="FFFFFF"/>
                 </a:solidFill>
               </a14:hiddenFill>
             </a:ext>
             <a:ext uri="{91240B29-F687-4f45-9708-019B960494DF}">
-              <a14:hiddenLine xmlns="" xmlns:a14="http://schemas.microsoft.com/office/drawing/2010/main" w="9525">
+              <a14:hiddenLine xmlns:a14="http://schemas.microsoft.com/office/drawing/2010/main" xmlns="" w="9525">
                 <a:solidFill>
                   <a:srgbClr val="000000"/>
                 </a:solidFill>
@@ -12778,8 +13014,8 @@
           </a:extLst>
         </p:spPr>
       </p:pic>
-      <mc:AlternateContent xmlns:mc="http://schemas.openxmlformats.org/markup-compatibility/2006">
-        <mc:Choice xmlns:a14="http://schemas.microsoft.com/office/drawing/2010/main" Requires="a14">
+      <mc:AlternateContent xmlns:mc="http://schemas.openxmlformats.org/markup-compatibility/2006" xmlns:a14="http://schemas.microsoft.com/office/drawing/2010/main">
+        <mc:Choice Requires="a14">
           <p:sp>
             <p:nvSpPr>
               <p:cNvPr id="6" name="Subtitle 2">
@@ -13200,7 +13436,7 @@
             </p:txBody>
           </p:sp>
         </mc:Choice>
-        <mc:Fallback>
+        <mc:Fallback xmlns="">
           <p:sp>
             <p:nvSpPr>
               <p:cNvPr id="6" name="Subtitle 2">
@@ -13349,14 +13585,14 @@
           </a:ln>
           <a:extLst>
             <a:ext uri="{909E8E84-426E-40dd-AFC4-6F175D3DCCD1}">
-              <a14:hiddenFill xmlns="" xmlns:a14="http://schemas.microsoft.com/office/drawing/2010/main">
+              <a14:hiddenFill xmlns:a14="http://schemas.microsoft.com/office/drawing/2010/main" xmlns="">
                 <a:solidFill>
                   <a:srgbClr val="FFFFFF"/>
                 </a:solidFill>
               </a14:hiddenFill>
             </a:ext>
             <a:ext uri="{91240B29-F687-4f45-9708-019B960494DF}">
-              <a14:hiddenLine xmlns="" xmlns:a14="http://schemas.microsoft.com/office/drawing/2010/main" w="9525">
+              <a14:hiddenLine xmlns:a14="http://schemas.microsoft.com/office/drawing/2010/main" xmlns="" w="9525">
                 <a:solidFill>
                   <a:srgbClr val="000000"/>
                 </a:solidFill>
@@ -13550,14 +13786,14 @@
           <a:noFill/>
           <a:extLst>
             <a:ext uri="{909E8E84-426E-40dd-AFC4-6F175D3DCCD1}">
-              <a14:hiddenFill xmlns="" xmlns:a14="http://schemas.microsoft.com/office/drawing/2010/main">
+              <a14:hiddenFill xmlns:a14="http://schemas.microsoft.com/office/drawing/2010/main" xmlns="">
                 <a:solidFill>
                   <a:srgbClr val="FFFFFF"/>
                 </a:solidFill>
               </a14:hiddenFill>
             </a:ext>
             <a:ext uri="{91240B29-F687-4f45-9708-019B960494DF}">
-              <a14:hiddenLine xmlns="" xmlns:a14="http://schemas.microsoft.com/office/drawing/2010/main" w="9525">
+              <a14:hiddenLine xmlns:a14="http://schemas.microsoft.com/office/drawing/2010/main" xmlns="" w="9525">
                 <a:solidFill>
                   <a:srgbClr val="000000"/>
                 </a:solidFill>
@@ -13776,14 +14012,14 @@
           </a:ln>
           <a:extLst>
             <a:ext uri="{909E8E84-426E-40dd-AFC4-6F175D3DCCD1}">
-              <a14:hiddenFill xmlns="" xmlns:a14="http://schemas.microsoft.com/office/drawing/2010/main">
+              <a14:hiddenFill xmlns:a14="http://schemas.microsoft.com/office/drawing/2010/main" xmlns="">
                 <a:solidFill>
                   <a:srgbClr val="FFFFFF"/>
                 </a:solidFill>
               </a14:hiddenFill>
             </a:ext>
             <a:ext uri="{91240B29-F687-4f45-9708-019B960494DF}">
-              <a14:hiddenLine xmlns="" xmlns:a14="http://schemas.microsoft.com/office/drawing/2010/main" w="9525">
+              <a14:hiddenLine xmlns:a14="http://schemas.microsoft.com/office/drawing/2010/main" xmlns="" w="9525">
                 <a:solidFill>
                   <a:srgbClr val="000000"/>
                 </a:solidFill>
@@ -13795,8 +14031,8 @@
           </a:extLst>
         </p:spPr>
       </p:pic>
-      <mc:AlternateContent xmlns:mc="http://schemas.openxmlformats.org/markup-compatibility/2006">
-        <mc:Choice xmlns:a14="http://schemas.microsoft.com/office/drawing/2010/main" Requires="a14">
+      <mc:AlternateContent xmlns:mc="http://schemas.openxmlformats.org/markup-compatibility/2006" xmlns:a14="http://schemas.microsoft.com/office/drawing/2010/main">
+        <mc:Choice Requires="a14">
           <p:sp>
             <p:nvSpPr>
               <p:cNvPr id="6" name="Subtitle 2">
@@ -14503,7 +14739,7 @@
                         <a:solidFill>
                           <a:srgbClr val="003366"/>
                         </a:solidFill>
-                        <a:latin typeface="仿宋" panose="02010609060101010101" pitchFamily="49" charset="-122"/>
+                        <a:latin typeface="Cambria Math" panose="02040503050406030204" pitchFamily="18" charset="0"/>
                         <a:ea typeface="仿宋" panose="02010609060101010101" pitchFamily="49" charset="-122"/>
                       </a:rPr>
                       <m:t>𝑄𝑈𝐸𝑅𝑌</m:t>
@@ -14554,7 +14790,7 @@
                         <a:solidFill>
                           <a:srgbClr val="003366"/>
                         </a:solidFill>
-                        <a:latin typeface="仿宋" panose="02010609060101010101" pitchFamily="49" charset="-122"/>
+                        <a:latin typeface="Cambria Math" panose="02040503050406030204" pitchFamily="18" charset="0"/>
                         <a:ea typeface="仿宋" panose="02010609060101010101" pitchFamily="49" charset="-122"/>
                       </a:rPr>
                       <m:t>𝑄𝑈𝐸𝑅𝑌</m:t>
@@ -14622,7 +14858,7 @@
             </p:txBody>
           </p:sp>
         </mc:Choice>
-        <mc:Fallback>
+        <mc:Fallback xmlns="">
           <p:sp>
             <p:nvSpPr>
               <p:cNvPr id="6" name="Subtitle 2">
@@ -14741,14 +14977,14 @@
           </a:ln>
           <a:extLst>
             <a:ext uri="{909E8E84-426E-40dd-AFC4-6F175D3DCCD1}">
-              <a14:hiddenFill xmlns="" xmlns:a14="http://schemas.microsoft.com/office/drawing/2010/main">
+              <a14:hiddenFill xmlns:a14="http://schemas.microsoft.com/office/drawing/2010/main" xmlns="">
                 <a:solidFill>
                   <a:srgbClr val="FFFFFF"/>
                 </a:solidFill>
               </a14:hiddenFill>
             </a:ext>
             <a:ext uri="{91240B29-F687-4f45-9708-019B960494DF}">
-              <a14:hiddenLine xmlns="" xmlns:a14="http://schemas.microsoft.com/office/drawing/2010/main" w="9525">
+              <a14:hiddenLine xmlns:a14="http://schemas.microsoft.com/office/drawing/2010/main" xmlns="" w="9525">
                 <a:solidFill>
                   <a:srgbClr val="000000"/>
                 </a:solidFill>
@@ -14942,14 +15178,14 @@
           <a:noFill/>
           <a:extLst>
             <a:ext uri="{909E8E84-426E-40dd-AFC4-6F175D3DCCD1}">
-              <a14:hiddenFill xmlns="" xmlns:a14="http://schemas.microsoft.com/office/drawing/2010/main">
+              <a14:hiddenFill xmlns:a14="http://schemas.microsoft.com/office/drawing/2010/main" xmlns="">
                 <a:solidFill>
                   <a:srgbClr val="FFFFFF"/>
                 </a:solidFill>
               </a14:hiddenFill>
             </a:ext>
             <a:ext uri="{91240B29-F687-4f45-9708-019B960494DF}">
-              <a14:hiddenLine xmlns="" xmlns:a14="http://schemas.microsoft.com/office/drawing/2010/main" w="9525">
+              <a14:hiddenLine xmlns:a14="http://schemas.microsoft.com/office/drawing/2010/main" xmlns="" w="9525">
                 <a:solidFill>
                   <a:srgbClr val="000000"/>
                 </a:solidFill>
@@ -15168,14 +15404,14 @@
           </a:ln>
           <a:extLst>
             <a:ext uri="{909E8E84-426E-40dd-AFC4-6F175D3DCCD1}">
-              <a14:hiddenFill xmlns="" xmlns:a14="http://schemas.microsoft.com/office/drawing/2010/main">
+              <a14:hiddenFill xmlns:a14="http://schemas.microsoft.com/office/drawing/2010/main" xmlns="">
                 <a:solidFill>
                   <a:srgbClr val="FFFFFF"/>
                 </a:solidFill>
               </a14:hiddenFill>
             </a:ext>
             <a:ext uri="{91240B29-F687-4f45-9708-019B960494DF}">
-              <a14:hiddenLine xmlns="" xmlns:a14="http://schemas.microsoft.com/office/drawing/2010/main" w="9525">
+              <a14:hiddenLine xmlns:a14="http://schemas.microsoft.com/office/drawing/2010/main" xmlns="" w="9525">
                 <a:solidFill>
                   <a:srgbClr val="000000"/>
                 </a:solidFill>
@@ -15187,8 +15423,8 @@
           </a:extLst>
         </p:spPr>
       </p:pic>
-      <mc:AlternateContent xmlns:mc="http://schemas.openxmlformats.org/markup-compatibility/2006">
-        <mc:Choice xmlns:a14="http://schemas.microsoft.com/office/drawing/2010/main" Requires="a14">
+      <mc:AlternateContent xmlns:mc="http://schemas.openxmlformats.org/markup-compatibility/2006" xmlns:a14="http://schemas.microsoft.com/office/drawing/2010/main">
+        <mc:Choice Requires="a14">
           <p:sp>
             <p:nvSpPr>
               <p:cNvPr id="6" name="Subtitle 2">
@@ -15614,7 +15850,7 @@
             </p:txBody>
           </p:sp>
         </mc:Choice>
-        <mc:Fallback>
+        <mc:Fallback xmlns="">
           <p:sp>
             <p:nvSpPr>
               <p:cNvPr id="6" name="Subtitle 2">
@@ -15763,14 +15999,14 @@
           </a:ln>
           <a:extLst>
             <a:ext uri="{909E8E84-426E-40dd-AFC4-6F175D3DCCD1}">
-              <a14:hiddenFill xmlns="" xmlns:a14="http://schemas.microsoft.com/office/drawing/2010/main">
+              <a14:hiddenFill xmlns:a14="http://schemas.microsoft.com/office/drawing/2010/main" xmlns="">
                 <a:solidFill>
                   <a:srgbClr val="FFFFFF"/>
                 </a:solidFill>
               </a14:hiddenFill>
             </a:ext>
             <a:ext uri="{91240B29-F687-4f45-9708-019B960494DF}">
-              <a14:hiddenLine xmlns="" xmlns:a14="http://schemas.microsoft.com/office/drawing/2010/main" w="9525">
+              <a14:hiddenLine xmlns:a14="http://schemas.microsoft.com/office/drawing/2010/main" xmlns="" w="9525">
                 <a:solidFill>
                   <a:srgbClr val="000000"/>
                 </a:solidFill>
@@ -15964,14 +16200,14 @@
           <a:noFill/>
           <a:extLst>
             <a:ext uri="{909E8E84-426E-40dd-AFC4-6F175D3DCCD1}">
-              <a14:hiddenFill xmlns="" xmlns:a14="http://schemas.microsoft.com/office/drawing/2010/main">
+              <a14:hiddenFill xmlns:a14="http://schemas.microsoft.com/office/drawing/2010/main" xmlns="">
                 <a:solidFill>
                   <a:srgbClr val="FFFFFF"/>
                 </a:solidFill>
               </a14:hiddenFill>
             </a:ext>
             <a:ext uri="{91240B29-F687-4f45-9708-019B960494DF}">
-              <a14:hiddenLine xmlns="" xmlns:a14="http://schemas.microsoft.com/office/drawing/2010/main" w="9525">
+              <a14:hiddenLine xmlns:a14="http://schemas.microsoft.com/office/drawing/2010/main" xmlns="" w="9525">
                 <a:solidFill>
                   <a:srgbClr val="000000"/>
                 </a:solidFill>
@@ -16190,14 +16426,14 @@
           </a:ln>
           <a:extLst>
             <a:ext uri="{909E8E84-426E-40dd-AFC4-6F175D3DCCD1}">
-              <a14:hiddenFill xmlns="" xmlns:a14="http://schemas.microsoft.com/office/drawing/2010/main">
+              <a14:hiddenFill xmlns:a14="http://schemas.microsoft.com/office/drawing/2010/main" xmlns="">
                 <a:solidFill>
                   <a:srgbClr val="FFFFFF"/>
                 </a:solidFill>
               </a14:hiddenFill>
             </a:ext>
             <a:ext uri="{91240B29-F687-4f45-9708-019B960494DF}">
-              <a14:hiddenLine xmlns="" xmlns:a14="http://schemas.microsoft.com/office/drawing/2010/main" w="9525">
+              <a14:hiddenLine xmlns:a14="http://schemas.microsoft.com/office/drawing/2010/main" xmlns="" w="9525">
                 <a:solidFill>
                   <a:srgbClr val="000000"/>
                 </a:solidFill>
@@ -16209,8 +16445,8 @@
           </a:extLst>
         </p:spPr>
       </p:pic>
-      <mc:AlternateContent xmlns:mc="http://schemas.openxmlformats.org/markup-compatibility/2006">
-        <mc:Choice xmlns:a14="http://schemas.microsoft.com/office/drawing/2010/main" Requires="a14">
+      <mc:AlternateContent xmlns:mc="http://schemas.openxmlformats.org/markup-compatibility/2006" xmlns:a14="http://schemas.microsoft.com/office/drawing/2010/main">
+        <mc:Choice Requires="a14">
           <p:sp>
             <p:nvSpPr>
               <p:cNvPr id="6" name="Subtitle 2">
@@ -16715,7 +16951,7 @@
             </p:txBody>
           </p:sp>
         </mc:Choice>
-        <mc:Fallback>
+        <mc:Fallback xmlns="">
           <p:sp>
             <p:nvSpPr>
               <p:cNvPr id="6" name="Subtitle 2">
@@ -16834,14 +17070,14 @@
           </a:ln>
           <a:extLst>
             <a:ext uri="{909E8E84-426E-40dd-AFC4-6F175D3DCCD1}">
-              <a14:hiddenFill xmlns="" xmlns:a14="http://schemas.microsoft.com/office/drawing/2010/main">
+              <a14:hiddenFill xmlns:a14="http://schemas.microsoft.com/office/drawing/2010/main" xmlns="">
                 <a:solidFill>
                   <a:srgbClr val="FFFFFF"/>
                 </a:solidFill>
               </a14:hiddenFill>
             </a:ext>
             <a:ext uri="{91240B29-F687-4f45-9708-019B960494DF}">
-              <a14:hiddenLine xmlns="" xmlns:a14="http://schemas.microsoft.com/office/drawing/2010/main" w="9525">
+              <a14:hiddenLine xmlns:a14="http://schemas.microsoft.com/office/drawing/2010/main" xmlns="" w="9525">
                 <a:solidFill>
                   <a:srgbClr val="000000"/>
                 </a:solidFill>
@@ -17035,14 +17271,14 @@
           <a:noFill/>
           <a:extLst>
             <a:ext uri="{909E8E84-426E-40dd-AFC4-6F175D3DCCD1}">
-              <a14:hiddenFill xmlns="" xmlns:a14="http://schemas.microsoft.com/office/drawing/2010/main">
+              <a14:hiddenFill xmlns:a14="http://schemas.microsoft.com/office/drawing/2010/main" xmlns="">
                 <a:solidFill>
                   <a:srgbClr val="FFFFFF"/>
                 </a:solidFill>
               </a14:hiddenFill>
             </a:ext>
             <a:ext uri="{91240B29-F687-4f45-9708-019B960494DF}">
-              <a14:hiddenLine xmlns="" xmlns:a14="http://schemas.microsoft.com/office/drawing/2010/main" w="9525">
+              <a14:hiddenLine xmlns:a14="http://schemas.microsoft.com/office/drawing/2010/main" xmlns="" w="9525">
                 <a:solidFill>
                   <a:srgbClr val="000000"/>
                 </a:solidFill>
@@ -17261,14 +17497,14 @@
           </a:ln>
           <a:extLst>
             <a:ext uri="{909E8E84-426E-40dd-AFC4-6F175D3DCCD1}">
-              <a14:hiddenFill xmlns="" xmlns:a14="http://schemas.microsoft.com/office/drawing/2010/main">
+              <a14:hiddenFill xmlns:a14="http://schemas.microsoft.com/office/drawing/2010/main" xmlns="">
                 <a:solidFill>
                   <a:srgbClr val="FFFFFF"/>
                 </a:solidFill>
               </a14:hiddenFill>
             </a:ext>
             <a:ext uri="{91240B29-F687-4f45-9708-019B960494DF}">
-              <a14:hiddenLine xmlns="" xmlns:a14="http://schemas.microsoft.com/office/drawing/2010/main" w="9525">
+              <a14:hiddenLine xmlns:a14="http://schemas.microsoft.com/office/drawing/2010/main" xmlns="" w="9525">
                 <a:solidFill>
                   <a:srgbClr val="000000"/>
                 </a:solidFill>
@@ -17911,14 +18147,14 @@
           </a:ln>
           <a:extLst>
             <a:ext uri="{909E8E84-426E-40dd-AFC4-6F175D3DCCD1}">
-              <a14:hiddenFill xmlns="" xmlns:a14="http://schemas.microsoft.com/office/drawing/2010/main">
+              <a14:hiddenFill xmlns:a14="http://schemas.microsoft.com/office/drawing/2010/main" xmlns="">
                 <a:solidFill>
                   <a:srgbClr val="FFFFFF"/>
                 </a:solidFill>
               </a14:hiddenFill>
             </a:ext>
             <a:ext uri="{91240B29-F687-4f45-9708-019B960494DF}">
-              <a14:hiddenLine xmlns="" xmlns:a14="http://schemas.microsoft.com/office/drawing/2010/main" w="9525">
+              <a14:hiddenLine xmlns:a14="http://schemas.microsoft.com/office/drawing/2010/main" xmlns="" w="9525">
                 <a:solidFill>
                   <a:srgbClr val="000000"/>
                 </a:solidFill>
@@ -18112,14 +18348,14 @@
           <a:noFill/>
           <a:extLst>
             <a:ext uri="{909E8E84-426E-40dd-AFC4-6F175D3DCCD1}">
-              <a14:hiddenFill xmlns="" xmlns:a14="http://schemas.microsoft.com/office/drawing/2010/main">
+              <a14:hiddenFill xmlns:a14="http://schemas.microsoft.com/office/drawing/2010/main" xmlns="">
                 <a:solidFill>
                   <a:srgbClr val="FFFFFF"/>
                 </a:solidFill>
               </a14:hiddenFill>
             </a:ext>
             <a:ext uri="{91240B29-F687-4f45-9708-019B960494DF}">
-              <a14:hiddenLine xmlns="" xmlns:a14="http://schemas.microsoft.com/office/drawing/2010/main" w="9525">
+              <a14:hiddenLine xmlns:a14="http://schemas.microsoft.com/office/drawing/2010/main" xmlns="" w="9525">
                 <a:solidFill>
                   <a:srgbClr val="000000"/>
                 </a:solidFill>
@@ -18338,14 +18574,14 @@
           </a:ln>
           <a:extLst>
             <a:ext uri="{909E8E84-426E-40dd-AFC4-6F175D3DCCD1}">
-              <a14:hiddenFill xmlns="" xmlns:a14="http://schemas.microsoft.com/office/drawing/2010/main">
+              <a14:hiddenFill xmlns:a14="http://schemas.microsoft.com/office/drawing/2010/main" xmlns="">
                 <a:solidFill>
                   <a:srgbClr val="FFFFFF"/>
                 </a:solidFill>
               </a14:hiddenFill>
             </a:ext>
             <a:ext uri="{91240B29-F687-4f45-9708-019B960494DF}">
-              <a14:hiddenLine xmlns="" xmlns:a14="http://schemas.microsoft.com/office/drawing/2010/main" w="9525">
+              <a14:hiddenLine xmlns:a14="http://schemas.microsoft.com/office/drawing/2010/main" xmlns="" w="9525">
                 <a:solidFill>
                   <a:srgbClr val="000000"/>
                 </a:solidFill>
@@ -19093,14 +19329,14 @@
           </a:ln>
           <a:extLst>
             <a:ext uri="{909E8E84-426E-40dd-AFC4-6F175D3DCCD1}">
-              <a14:hiddenFill xmlns="" xmlns:a14="http://schemas.microsoft.com/office/drawing/2010/main">
+              <a14:hiddenFill xmlns:a14="http://schemas.microsoft.com/office/drawing/2010/main" xmlns="">
                 <a:solidFill>
                   <a:srgbClr val="FFFFFF"/>
                 </a:solidFill>
               </a14:hiddenFill>
             </a:ext>
             <a:ext uri="{91240B29-F687-4f45-9708-019B960494DF}">
-              <a14:hiddenLine xmlns="" xmlns:a14="http://schemas.microsoft.com/office/drawing/2010/main" w="9525">
+              <a14:hiddenLine xmlns:a14="http://schemas.microsoft.com/office/drawing/2010/main" xmlns="" w="9525">
                 <a:solidFill>
                   <a:srgbClr val="000000"/>
                 </a:solidFill>
@@ -19294,14 +19530,14 @@
           <a:noFill/>
           <a:extLst>
             <a:ext uri="{909E8E84-426E-40dd-AFC4-6F175D3DCCD1}">
-              <a14:hiddenFill xmlns="" xmlns:a14="http://schemas.microsoft.com/office/drawing/2010/main">
+              <a14:hiddenFill xmlns:a14="http://schemas.microsoft.com/office/drawing/2010/main" xmlns="">
                 <a:solidFill>
                   <a:srgbClr val="FFFFFF"/>
                 </a:solidFill>
               </a14:hiddenFill>
             </a:ext>
             <a:ext uri="{91240B29-F687-4f45-9708-019B960494DF}">
-              <a14:hiddenLine xmlns="" xmlns:a14="http://schemas.microsoft.com/office/drawing/2010/main" w="9525">
+              <a14:hiddenLine xmlns:a14="http://schemas.microsoft.com/office/drawing/2010/main" xmlns="" w="9525">
                 <a:solidFill>
                   <a:srgbClr val="000000"/>
                 </a:solidFill>
@@ -19520,14 +19756,14 @@
           </a:ln>
           <a:extLst>
             <a:ext uri="{909E8E84-426E-40dd-AFC4-6F175D3DCCD1}">
-              <a14:hiddenFill xmlns="" xmlns:a14="http://schemas.microsoft.com/office/drawing/2010/main">
+              <a14:hiddenFill xmlns:a14="http://schemas.microsoft.com/office/drawing/2010/main" xmlns="">
                 <a:solidFill>
                   <a:srgbClr val="FFFFFF"/>
                 </a:solidFill>
               </a14:hiddenFill>
             </a:ext>
             <a:ext uri="{91240B29-F687-4f45-9708-019B960494DF}">
-              <a14:hiddenLine xmlns="" xmlns:a14="http://schemas.microsoft.com/office/drawing/2010/main" w="9525">
+              <a14:hiddenLine xmlns:a14="http://schemas.microsoft.com/office/drawing/2010/main" xmlns="" w="9525">
                 <a:solidFill>
                   <a:srgbClr val="000000"/>
                 </a:solidFill>
@@ -20386,14 +20622,14 @@
           </a:ln>
           <a:extLst>
             <a:ext uri="{909E8E84-426E-40dd-AFC4-6F175D3DCCD1}">
-              <a14:hiddenFill xmlns="" xmlns:a14="http://schemas.microsoft.com/office/drawing/2010/main">
+              <a14:hiddenFill xmlns:a14="http://schemas.microsoft.com/office/drawing/2010/main" xmlns="">
                 <a:solidFill>
                   <a:srgbClr val="FFFFFF"/>
                 </a:solidFill>
               </a14:hiddenFill>
             </a:ext>
             <a:ext uri="{91240B29-F687-4f45-9708-019B960494DF}">
-              <a14:hiddenLine xmlns="" xmlns:a14="http://schemas.microsoft.com/office/drawing/2010/main" w="9525">
+              <a14:hiddenLine xmlns:a14="http://schemas.microsoft.com/office/drawing/2010/main" xmlns="" w="9525">
                 <a:solidFill>
                   <a:srgbClr val="000000"/>
                 </a:solidFill>
@@ -20587,14 +20823,14 @@
           <a:noFill/>
           <a:extLst>
             <a:ext uri="{909E8E84-426E-40dd-AFC4-6F175D3DCCD1}">
-              <a14:hiddenFill xmlns="" xmlns:a14="http://schemas.microsoft.com/office/drawing/2010/main">
+              <a14:hiddenFill xmlns:a14="http://schemas.microsoft.com/office/drawing/2010/main" xmlns="">
                 <a:solidFill>
                   <a:srgbClr val="FFFFFF"/>
                 </a:solidFill>
               </a14:hiddenFill>
             </a:ext>
             <a:ext uri="{91240B29-F687-4f45-9708-019B960494DF}">
-              <a14:hiddenLine xmlns="" xmlns:a14="http://schemas.microsoft.com/office/drawing/2010/main" w="9525">
+              <a14:hiddenLine xmlns:a14="http://schemas.microsoft.com/office/drawing/2010/main" xmlns="" w="9525">
                 <a:solidFill>
                   <a:srgbClr val="000000"/>
                 </a:solidFill>
@@ -20813,14 +21049,14 @@
           </a:ln>
           <a:extLst>
             <a:ext uri="{909E8E84-426E-40dd-AFC4-6F175D3DCCD1}">
-              <a14:hiddenFill xmlns="" xmlns:a14="http://schemas.microsoft.com/office/drawing/2010/main">
+              <a14:hiddenFill xmlns:a14="http://schemas.microsoft.com/office/drawing/2010/main" xmlns="">
                 <a:solidFill>
                   <a:srgbClr val="FFFFFF"/>
                 </a:solidFill>
               </a14:hiddenFill>
             </a:ext>
             <a:ext uri="{91240B29-F687-4f45-9708-019B960494DF}">
-              <a14:hiddenLine xmlns="" xmlns:a14="http://schemas.microsoft.com/office/drawing/2010/main" w="9525">
+              <a14:hiddenLine xmlns:a14="http://schemas.microsoft.com/office/drawing/2010/main" xmlns="" w="9525">
                 <a:solidFill>
                   <a:srgbClr val="000000"/>
                 </a:solidFill>
@@ -21121,8 +21357,8 @@
           </a:p>
         </p:txBody>
       </p:sp>
-      <mc:AlternateContent xmlns:mc="http://schemas.openxmlformats.org/markup-compatibility/2006">
-        <mc:Choice xmlns:a14="http://schemas.microsoft.com/office/drawing/2010/main" Requires="a14">
+      <mc:AlternateContent xmlns:mc="http://schemas.openxmlformats.org/markup-compatibility/2006" xmlns:a14="http://schemas.microsoft.com/office/drawing/2010/main">
+        <mc:Choice Requires="a14">
           <p:sp>
             <p:nvSpPr>
               <p:cNvPr id="14" name="对话气泡: 矩形 13">
@@ -21205,7 +21441,7 @@
             </p:txBody>
           </p:sp>
         </mc:Choice>
-        <mc:Fallback>
+        <mc:Fallback xmlns="">
           <p:sp>
             <p:nvSpPr>
               <p:cNvPr id="14" name="对话气泡: 矩形 13">
@@ -21499,14 +21735,14 @@
           </a:ln>
           <a:extLst>
             <a:ext uri="{909E8E84-426E-40dd-AFC4-6F175D3DCCD1}">
-              <a14:hiddenFill xmlns="" xmlns:a14="http://schemas.microsoft.com/office/drawing/2010/main">
+              <a14:hiddenFill xmlns:a14="http://schemas.microsoft.com/office/drawing/2010/main" xmlns="">
                 <a:solidFill>
                   <a:srgbClr val="FFFFFF"/>
                 </a:solidFill>
               </a14:hiddenFill>
             </a:ext>
             <a:ext uri="{91240B29-F687-4f45-9708-019B960494DF}">
-              <a14:hiddenLine xmlns="" xmlns:a14="http://schemas.microsoft.com/office/drawing/2010/main" w="9525">
+              <a14:hiddenLine xmlns:a14="http://schemas.microsoft.com/office/drawing/2010/main" xmlns="" w="9525">
                 <a:solidFill>
                   <a:srgbClr val="000000"/>
                 </a:solidFill>
@@ -21700,14 +21936,14 @@
           <a:noFill/>
           <a:extLst>
             <a:ext uri="{909E8E84-426E-40dd-AFC4-6F175D3DCCD1}">
-              <a14:hiddenFill xmlns="" xmlns:a14="http://schemas.microsoft.com/office/drawing/2010/main">
+              <a14:hiddenFill xmlns:a14="http://schemas.microsoft.com/office/drawing/2010/main" xmlns="">
                 <a:solidFill>
                   <a:srgbClr val="FFFFFF"/>
                 </a:solidFill>
               </a14:hiddenFill>
             </a:ext>
             <a:ext uri="{91240B29-F687-4f45-9708-019B960494DF}">
-              <a14:hiddenLine xmlns="" xmlns:a14="http://schemas.microsoft.com/office/drawing/2010/main" w="9525">
+              <a14:hiddenLine xmlns:a14="http://schemas.microsoft.com/office/drawing/2010/main" xmlns="" w="9525">
                 <a:solidFill>
                   <a:srgbClr val="000000"/>
                 </a:solidFill>
@@ -21926,14 +22162,14 @@
           </a:ln>
           <a:extLst>
             <a:ext uri="{909E8E84-426E-40dd-AFC4-6F175D3DCCD1}">
-              <a14:hiddenFill xmlns="" xmlns:a14="http://schemas.microsoft.com/office/drawing/2010/main">
+              <a14:hiddenFill xmlns:a14="http://schemas.microsoft.com/office/drawing/2010/main" xmlns="">
                 <a:solidFill>
                   <a:srgbClr val="FFFFFF"/>
                 </a:solidFill>
               </a14:hiddenFill>
             </a:ext>
             <a:ext uri="{91240B29-F687-4f45-9708-019B960494DF}">
-              <a14:hiddenLine xmlns="" xmlns:a14="http://schemas.microsoft.com/office/drawing/2010/main" w="9525">
+              <a14:hiddenLine xmlns:a14="http://schemas.microsoft.com/office/drawing/2010/main" xmlns="" w="9525">
                 <a:solidFill>
                   <a:srgbClr val="000000"/>
                 </a:solidFill>
@@ -22500,14 +22736,14 @@
           </a:ln>
           <a:extLst>
             <a:ext uri="{909E8E84-426E-40dd-AFC4-6F175D3DCCD1}">
-              <a14:hiddenFill xmlns="" xmlns:a14="http://schemas.microsoft.com/office/drawing/2010/main">
+              <a14:hiddenFill xmlns:a14="http://schemas.microsoft.com/office/drawing/2010/main" xmlns="">
                 <a:solidFill>
                   <a:srgbClr val="FFFFFF"/>
                 </a:solidFill>
               </a14:hiddenFill>
             </a:ext>
             <a:ext uri="{91240B29-F687-4f45-9708-019B960494DF}">
-              <a14:hiddenLine xmlns="" xmlns:a14="http://schemas.microsoft.com/office/drawing/2010/main" w="9525">
+              <a14:hiddenLine xmlns:a14="http://schemas.microsoft.com/office/drawing/2010/main" xmlns="" w="9525">
                 <a:solidFill>
                   <a:srgbClr val="000000"/>
                 </a:solidFill>
@@ -22678,7 +22914,7 @@
                 <a:latin typeface="微软雅黑" panose="020B0503020204020204" pitchFamily="34" charset="-122"/>
                 <a:ea typeface="微软雅黑" panose="020B0503020204020204" pitchFamily="34" charset="-122"/>
               </a:rPr>
-              <a:t>基于洪泛的异步单一启动者生成树算法</a:t>
+              <a:t>基于洪泛的异步并发启动者生成树算法</a:t>
             </a:r>
           </a:p>
         </p:txBody>
@@ -22701,14 +22937,14 @@
           <a:noFill/>
           <a:extLst>
             <a:ext uri="{909E8E84-426E-40dd-AFC4-6F175D3DCCD1}">
-              <a14:hiddenFill xmlns="" xmlns:a14="http://schemas.microsoft.com/office/drawing/2010/main">
+              <a14:hiddenFill xmlns:a14="http://schemas.microsoft.com/office/drawing/2010/main" xmlns="">
                 <a:solidFill>
                   <a:srgbClr val="FFFFFF"/>
                 </a:solidFill>
               </a14:hiddenFill>
             </a:ext>
             <a:ext uri="{91240B29-F687-4f45-9708-019B960494DF}">
-              <a14:hiddenLine xmlns="" xmlns:a14="http://schemas.microsoft.com/office/drawing/2010/main" w="9525">
+              <a14:hiddenLine xmlns:a14="http://schemas.microsoft.com/office/drawing/2010/main" xmlns="" w="9525">
                 <a:solidFill>
                   <a:srgbClr val="000000"/>
                 </a:solidFill>
@@ -22927,14 +23163,14 @@
           </a:ln>
           <a:extLst>
             <a:ext uri="{909E8E84-426E-40dd-AFC4-6F175D3DCCD1}">
-              <a14:hiddenFill xmlns="" xmlns:a14="http://schemas.microsoft.com/office/drawing/2010/main">
+              <a14:hiddenFill xmlns:a14="http://schemas.microsoft.com/office/drawing/2010/main" xmlns="">
                 <a:solidFill>
                   <a:srgbClr val="FFFFFF"/>
                 </a:solidFill>
               </a14:hiddenFill>
             </a:ext>
             <a:ext uri="{91240B29-F687-4f45-9708-019B960494DF}">
-              <a14:hiddenLine xmlns="" xmlns:a14="http://schemas.microsoft.com/office/drawing/2010/main" w="9525">
+              <a14:hiddenLine xmlns:a14="http://schemas.microsoft.com/office/drawing/2010/main" xmlns="" w="9525">
                 <a:solidFill>
                   <a:srgbClr val="000000"/>
                 </a:solidFill>
@@ -23256,7 +23492,7 @@
                 <a:r>
                   <a:rPr lang="zh-CN" altLang="en-US" kern="0" dirty="0">
                     <a:solidFill>
-                      <a:srgbClr val="003366"/>
+                      <a:srgbClr val="FF0000"/>
                     </a:solidFill>
                     <a:latin typeface="仿宋" panose="02010609060101010101" pitchFamily="49" charset="-122"/>
                     <a:ea typeface="仿宋" panose="02010609060101010101" pitchFamily="49" charset="-122"/>
@@ -23265,7 +23501,7 @@
                 </a:r>
                 <a:endParaRPr lang="en-US" altLang="zh-CN" kern="0" dirty="0">
                   <a:solidFill>
-                    <a:srgbClr val="003366"/>
+                    <a:srgbClr val="FF0000"/>
                   </a:solidFill>
                   <a:latin typeface="仿宋" panose="02010609060101010101" pitchFamily="49" charset="-122"/>
                   <a:ea typeface="仿宋" panose="02010609060101010101" pitchFamily="49" charset="-122"/>
@@ -23283,7 +23519,7 @@
                 <a:r>
                   <a:rPr lang="zh-CN" altLang="en-US" kern="0" dirty="0">
                     <a:solidFill>
-                      <a:srgbClr val="003366"/>
+                      <a:srgbClr val="FF0000"/>
                     </a:solidFill>
                     <a:latin typeface="仿宋" panose="02010609060101010101" pitchFamily="49" charset="-122"/>
                     <a:ea typeface="仿宋" panose="02010609060101010101" pitchFamily="49" charset="-122"/>
@@ -23292,7 +23528,7 @@
                 </a:r>
                 <a:endParaRPr lang="en-US" altLang="zh-CN" kern="0" dirty="0">
                   <a:solidFill>
-                    <a:srgbClr val="003366"/>
+                    <a:srgbClr val="FF0000"/>
                   </a:solidFill>
                   <a:latin typeface="仿宋" panose="02010609060101010101" pitchFamily="49" charset="-122"/>
                   <a:ea typeface="仿宋" panose="02010609060101010101" pitchFamily="49" charset="-122"/>
@@ -23630,14 +23866,14 @@
           </a:ln>
           <a:extLst>
             <a:ext uri="{909E8E84-426E-40dd-AFC4-6F175D3DCCD1}">
-              <a14:hiddenFill xmlns="" xmlns:a14="http://schemas.microsoft.com/office/drawing/2010/main">
+              <a14:hiddenFill xmlns:a14="http://schemas.microsoft.com/office/drawing/2010/main" xmlns="">
                 <a:solidFill>
                   <a:srgbClr val="FFFFFF"/>
                 </a:solidFill>
               </a14:hiddenFill>
             </a:ext>
             <a:ext uri="{91240B29-F687-4f45-9708-019B960494DF}">
-              <a14:hiddenLine xmlns="" xmlns:a14="http://schemas.microsoft.com/office/drawing/2010/main" w="9525">
+              <a14:hiddenLine xmlns:a14="http://schemas.microsoft.com/office/drawing/2010/main" xmlns="" w="9525">
                 <a:solidFill>
                   <a:srgbClr val="000000"/>
                 </a:solidFill>
@@ -23831,14 +24067,14 @@
           <a:noFill/>
           <a:extLst>
             <a:ext uri="{909E8E84-426E-40dd-AFC4-6F175D3DCCD1}">
-              <a14:hiddenFill xmlns="" xmlns:a14="http://schemas.microsoft.com/office/drawing/2010/main">
+              <a14:hiddenFill xmlns:a14="http://schemas.microsoft.com/office/drawing/2010/main" xmlns="">
                 <a:solidFill>
                   <a:srgbClr val="FFFFFF"/>
                 </a:solidFill>
               </a14:hiddenFill>
             </a:ext>
             <a:ext uri="{91240B29-F687-4f45-9708-019B960494DF}">
-              <a14:hiddenLine xmlns="" xmlns:a14="http://schemas.microsoft.com/office/drawing/2010/main" w="9525">
+              <a14:hiddenLine xmlns:a14="http://schemas.microsoft.com/office/drawing/2010/main" xmlns="" w="9525">
                 <a:solidFill>
                   <a:srgbClr val="000000"/>
                 </a:solidFill>
@@ -24057,14 +24293,14 @@
           </a:ln>
           <a:extLst>
             <a:ext uri="{909E8E84-426E-40dd-AFC4-6F175D3DCCD1}">
-              <a14:hiddenFill xmlns="" xmlns:a14="http://schemas.microsoft.com/office/drawing/2010/main">
+              <a14:hiddenFill xmlns:a14="http://schemas.microsoft.com/office/drawing/2010/main" xmlns="">
                 <a:solidFill>
                   <a:srgbClr val="FFFFFF"/>
                 </a:solidFill>
               </a14:hiddenFill>
             </a:ext>
             <a:ext uri="{91240B29-F687-4f45-9708-019B960494DF}">
-              <a14:hiddenLine xmlns="" xmlns:a14="http://schemas.microsoft.com/office/drawing/2010/main" w="9525">
+              <a14:hiddenLine xmlns:a14="http://schemas.microsoft.com/office/drawing/2010/main" xmlns="" w="9525">
                 <a:solidFill>
                   <a:srgbClr val="000000"/>
                 </a:solidFill>
@@ -24076,8 +24312,8 @@
           </a:extLst>
         </p:spPr>
       </p:pic>
-      <mc:AlternateContent xmlns:mc="http://schemas.openxmlformats.org/markup-compatibility/2006">
-        <mc:Choice xmlns:a14="http://schemas.microsoft.com/office/drawing/2010/main" Requires="a14">
+      <mc:AlternateContent xmlns:mc="http://schemas.openxmlformats.org/markup-compatibility/2006" xmlns:a14="http://schemas.microsoft.com/office/drawing/2010/main">
+        <mc:Choice Requires="a14">
           <p:sp>
             <p:nvSpPr>
               <p:cNvPr id="6" name="Subtitle 2">
@@ -24468,7 +24704,7 @@
                         <a:solidFill>
                           <a:srgbClr val="003366"/>
                         </a:solidFill>
-                        <a:latin typeface="仿宋" panose="02010609060101010101" pitchFamily="49" charset="-122"/>
+                        <a:latin typeface="Cambria Math" panose="02040503050406030204" pitchFamily="18" charset="0"/>
                         <a:ea typeface="仿宋" panose="02010609060101010101" pitchFamily="49" charset="-122"/>
                       </a:rPr>
                       <m:t>𝑛</m:t>
@@ -24731,7 +24967,7 @@
             </p:txBody>
           </p:sp>
         </mc:Choice>
-        <mc:Fallback>
+        <mc:Fallback xmlns="">
           <p:sp>
             <p:nvSpPr>
               <p:cNvPr id="6" name="Subtitle 2">
@@ -24850,14 +25086,14 @@
           </a:ln>
           <a:extLst>
             <a:ext uri="{909E8E84-426E-40dd-AFC4-6F175D3DCCD1}">
-              <a14:hiddenFill xmlns="" xmlns:a14="http://schemas.microsoft.com/office/drawing/2010/main">
+              <a14:hiddenFill xmlns:a14="http://schemas.microsoft.com/office/drawing/2010/main" xmlns="">
                 <a:solidFill>
                   <a:srgbClr val="FFFFFF"/>
                 </a:solidFill>
               </a14:hiddenFill>
             </a:ext>
             <a:ext uri="{91240B29-F687-4f45-9708-019B960494DF}">
-              <a14:hiddenLine xmlns="" xmlns:a14="http://schemas.microsoft.com/office/drawing/2010/main" w="9525">
+              <a14:hiddenLine xmlns:a14="http://schemas.microsoft.com/office/drawing/2010/main" xmlns="" w="9525">
                 <a:solidFill>
                   <a:srgbClr val="000000"/>
                 </a:solidFill>
@@ -25051,14 +25287,14 @@
           <a:noFill/>
           <a:extLst>
             <a:ext uri="{909E8E84-426E-40dd-AFC4-6F175D3DCCD1}">
-              <a14:hiddenFill xmlns="" xmlns:a14="http://schemas.microsoft.com/office/drawing/2010/main">
+              <a14:hiddenFill xmlns:a14="http://schemas.microsoft.com/office/drawing/2010/main" xmlns="">
                 <a:solidFill>
                   <a:srgbClr val="FFFFFF"/>
                 </a:solidFill>
               </a14:hiddenFill>
             </a:ext>
             <a:ext uri="{91240B29-F687-4f45-9708-019B960494DF}">
-              <a14:hiddenLine xmlns="" xmlns:a14="http://schemas.microsoft.com/office/drawing/2010/main" w="9525">
+              <a14:hiddenLine xmlns:a14="http://schemas.microsoft.com/office/drawing/2010/main" xmlns="" w="9525">
                 <a:solidFill>
                   <a:srgbClr val="000000"/>
                 </a:solidFill>
@@ -25277,14 +25513,14 @@
           </a:ln>
           <a:extLst>
             <a:ext uri="{909E8E84-426E-40dd-AFC4-6F175D3DCCD1}">
-              <a14:hiddenFill xmlns="" xmlns:a14="http://schemas.microsoft.com/office/drawing/2010/main">
+              <a14:hiddenFill xmlns:a14="http://schemas.microsoft.com/office/drawing/2010/main" xmlns="">
                 <a:solidFill>
                   <a:srgbClr val="FFFFFF"/>
                 </a:solidFill>
               </a14:hiddenFill>
             </a:ext>
             <a:ext uri="{91240B29-F687-4f45-9708-019B960494DF}">
-              <a14:hiddenLine xmlns="" xmlns:a14="http://schemas.microsoft.com/office/drawing/2010/main" w="9525">
+              <a14:hiddenLine xmlns:a14="http://schemas.microsoft.com/office/drawing/2010/main" xmlns="" w="9525">
                 <a:solidFill>
                   <a:srgbClr val="000000"/>
                 </a:solidFill>
@@ -25296,8 +25532,8 @@
           </a:extLst>
         </p:spPr>
       </p:pic>
-      <mc:AlternateContent xmlns:mc="http://schemas.openxmlformats.org/markup-compatibility/2006">
-        <mc:Choice xmlns:a14="http://schemas.microsoft.com/office/drawing/2010/main" Requires="a14">
+      <mc:AlternateContent xmlns:mc="http://schemas.openxmlformats.org/markup-compatibility/2006" xmlns:a14="http://schemas.microsoft.com/office/drawing/2010/main">
+        <mc:Choice Requires="a14">
           <p:sp>
             <p:nvSpPr>
               <p:cNvPr id="6" name="Subtitle 2">
@@ -25637,7 +25873,7 @@
                         <a:latin typeface="Cambria Math" panose="02040503050406030204" pitchFamily="18" charset="0"/>
                         <a:ea typeface="仿宋" panose="02010609060101010101" pitchFamily="49" charset="-122"/>
                       </a:rPr>
-                      <m:t>-</m:t>
+                      <m:t>−</m:t>
                     </m:r>
                     <m:r>
                       <a:rPr lang="zh-CN" altLang="en-US" i="1" kern="0" smtClean="0">
@@ -26062,7 +26298,7 @@
             </p:txBody>
           </p:sp>
         </mc:Choice>
-        <mc:Fallback>
+        <mc:Fallback xmlns="">
           <p:sp>
             <p:nvSpPr>
               <p:cNvPr id="6" name="Subtitle 2">
@@ -26181,14 +26417,14 @@
           </a:ln>
           <a:extLst>
             <a:ext uri="{909E8E84-426E-40dd-AFC4-6F175D3DCCD1}">
-              <a14:hiddenFill xmlns="" xmlns:a14="http://schemas.microsoft.com/office/drawing/2010/main">
+              <a14:hiddenFill xmlns:a14="http://schemas.microsoft.com/office/drawing/2010/main" xmlns="">
                 <a:solidFill>
                   <a:srgbClr val="FFFFFF"/>
                 </a:solidFill>
               </a14:hiddenFill>
             </a:ext>
             <a:ext uri="{91240B29-F687-4f45-9708-019B960494DF}">
-              <a14:hiddenLine xmlns="" xmlns:a14="http://schemas.microsoft.com/office/drawing/2010/main" w="9525">
+              <a14:hiddenLine xmlns:a14="http://schemas.microsoft.com/office/drawing/2010/main" xmlns="" w="9525">
                 <a:solidFill>
                   <a:srgbClr val="000000"/>
                 </a:solidFill>
@@ -26382,14 +26618,14 @@
           <a:noFill/>
           <a:extLst>
             <a:ext uri="{909E8E84-426E-40dd-AFC4-6F175D3DCCD1}">
-              <a14:hiddenFill xmlns="" xmlns:a14="http://schemas.microsoft.com/office/drawing/2010/main">
+              <a14:hiddenFill xmlns:a14="http://schemas.microsoft.com/office/drawing/2010/main" xmlns="">
                 <a:solidFill>
                   <a:srgbClr val="FFFFFF"/>
                 </a:solidFill>
               </a14:hiddenFill>
             </a:ext>
             <a:ext uri="{91240B29-F687-4f45-9708-019B960494DF}">
-              <a14:hiddenLine xmlns="" xmlns:a14="http://schemas.microsoft.com/office/drawing/2010/main" w="9525">
+              <a14:hiddenLine xmlns:a14="http://schemas.microsoft.com/office/drawing/2010/main" xmlns="" w="9525">
                 <a:solidFill>
                   <a:srgbClr val="000000"/>
                 </a:solidFill>
@@ -26608,14 +26844,14 @@
           </a:ln>
           <a:extLst>
             <a:ext uri="{909E8E84-426E-40dd-AFC4-6F175D3DCCD1}">
-              <a14:hiddenFill xmlns="" xmlns:a14="http://schemas.microsoft.com/office/drawing/2010/main">
+              <a14:hiddenFill xmlns:a14="http://schemas.microsoft.com/office/drawing/2010/main" xmlns="">
                 <a:solidFill>
                   <a:srgbClr val="FFFFFF"/>
                 </a:solidFill>
               </a14:hiddenFill>
             </a:ext>
             <a:ext uri="{91240B29-F687-4f45-9708-019B960494DF}">
-              <a14:hiddenLine xmlns="" xmlns:a14="http://schemas.microsoft.com/office/drawing/2010/main" w="9525">
+              <a14:hiddenLine xmlns:a14="http://schemas.microsoft.com/office/drawing/2010/main" xmlns="" w="9525">
                 <a:solidFill>
                   <a:srgbClr val="000000"/>
                 </a:solidFill>
@@ -26627,8 +26863,8 @@
           </a:extLst>
         </p:spPr>
       </p:pic>
-      <mc:AlternateContent xmlns:mc="http://schemas.openxmlformats.org/markup-compatibility/2006">
-        <mc:Choice xmlns:a14="http://schemas.microsoft.com/office/drawing/2010/main" Requires="a14">
+      <mc:AlternateContent xmlns:mc="http://schemas.openxmlformats.org/markup-compatibility/2006" xmlns:a14="http://schemas.microsoft.com/office/drawing/2010/main">
+        <mc:Choice Requires="a14">
           <p:sp>
             <p:nvSpPr>
               <p:cNvPr id="6" name="Subtitle 2">
@@ -27158,7 +27394,7 @@
             </p:txBody>
           </p:sp>
         </mc:Choice>
-        <mc:Fallback>
+        <mc:Fallback xmlns="">
           <p:sp>
             <p:nvSpPr>
               <p:cNvPr id="6" name="Subtitle 2">
@@ -27337,14 +27573,14 @@
           </a:ln>
           <a:extLst>
             <a:ext uri="{909E8E84-426E-40dd-AFC4-6F175D3DCCD1}">
-              <a14:hiddenFill xmlns="" xmlns:a14="http://schemas.microsoft.com/office/drawing/2010/main">
+              <a14:hiddenFill xmlns:a14="http://schemas.microsoft.com/office/drawing/2010/main" xmlns="">
                 <a:solidFill>
                   <a:srgbClr val="FFFFFF"/>
                 </a:solidFill>
               </a14:hiddenFill>
             </a:ext>
             <a:ext uri="{91240B29-F687-4f45-9708-019B960494DF}">
-              <a14:hiddenLine xmlns="" xmlns:a14="http://schemas.microsoft.com/office/drawing/2010/main" w="9525">
+              <a14:hiddenLine xmlns:a14="http://schemas.microsoft.com/office/drawing/2010/main" xmlns="" w="9525">
                 <a:solidFill>
                   <a:srgbClr val="000000"/>
                 </a:solidFill>
@@ -27538,14 +27774,14 @@
           <a:noFill/>
           <a:extLst>
             <a:ext uri="{909E8E84-426E-40dd-AFC4-6F175D3DCCD1}">
-              <a14:hiddenFill xmlns="" xmlns:a14="http://schemas.microsoft.com/office/drawing/2010/main">
+              <a14:hiddenFill xmlns:a14="http://schemas.microsoft.com/office/drawing/2010/main" xmlns="">
                 <a:solidFill>
                   <a:srgbClr val="FFFFFF"/>
                 </a:solidFill>
               </a14:hiddenFill>
             </a:ext>
             <a:ext uri="{91240B29-F687-4f45-9708-019B960494DF}">
-              <a14:hiddenLine xmlns="" xmlns:a14="http://schemas.microsoft.com/office/drawing/2010/main" w="9525">
+              <a14:hiddenLine xmlns:a14="http://schemas.microsoft.com/office/drawing/2010/main" xmlns="" w="9525">
                 <a:solidFill>
                   <a:srgbClr val="000000"/>
                 </a:solidFill>
@@ -27764,14 +28000,14 @@
           </a:ln>
           <a:extLst>
             <a:ext uri="{909E8E84-426E-40dd-AFC4-6F175D3DCCD1}">
-              <a14:hiddenFill xmlns="" xmlns:a14="http://schemas.microsoft.com/office/drawing/2010/main">
+              <a14:hiddenFill xmlns:a14="http://schemas.microsoft.com/office/drawing/2010/main" xmlns="">
                 <a:solidFill>
                   <a:srgbClr val="FFFFFF"/>
                 </a:solidFill>
               </a14:hiddenFill>
             </a:ext>
             <a:ext uri="{91240B29-F687-4f45-9708-019B960494DF}">
-              <a14:hiddenLine xmlns="" xmlns:a14="http://schemas.microsoft.com/office/drawing/2010/main" w="9525">
+              <a14:hiddenLine xmlns:a14="http://schemas.microsoft.com/office/drawing/2010/main" xmlns="" w="9525">
                 <a:solidFill>
                   <a:srgbClr val="000000"/>
                 </a:solidFill>
@@ -28170,8 +28406,8 @@
           </a:p>
         </p:txBody>
       </p:sp>
-      <mc:AlternateContent xmlns:mc="http://schemas.openxmlformats.org/markup-compatibility/2006">
-        <mc:Choice xmlns:a14="http://schemas.microsoft.com/office/drawing/2010/main" Requires="a14">
+      <mc:AlternateContent xmlns:mc="http://schemas.openxmlformats.org/markup-compatibility/2006" xmlns:a14="http://schemas.microsoft.com/office/drawing/2010/main">
+        <mc:Choice Requires="a14">
           <p:sp>
             <p:nvSpPr>
               <p:cNvPr id="9" name="对话气泡: 矩形 8">
@@ -28266,7 +28502,7 @@
             </p:txBody>
           </p:sp>
         </mc:Choice>
-        <mc:Fallback>
+        <mc:Fallback xmlns="">
           <p:sp>
             <p:nvSpPr>
               <p:cNvPr id="9" name="对话气泡: 矩形 8">
@@ -28319,8 +28555,8 @@
           </p:sp>
         </mc:Fallback>
       </mc:AlternateContent>
-      <mc:AlternateContent xmlns:mc="http://schemas.openxmlformats.org/markup-compatibility/2006">
-        <mc:Choice xmlns:a14="http://schemas.microsoft.com/office/drawing/2010/main" Requires="a14">
+      <mc:AlternateContent xmlns:mc="http://schemas.openxmlformats.org/markup-compatibility/2006" xmlns:a14="http://schemas.microsoft.com/office/drawing/2010/main">
+        <mc:Choice Requires="a14">
           <p:sp>
             <p:nvSpPr>
               <p:cNvPr id="10" name="对话气泡: 矩形 9">
@@ -28415,7 +28651,7 @@
             </p:txBody>
           </p:sp>
         </mc:Choice>
-        <mc:Fallback>
+        <mc:Fallback xmlns="">
           <p:sp>
             <p:nvSpPr>
               <p:cNvPr id="10" name="对话气泡: 矩形 9">
@@ -28468,8 +28704,8 @@
           </p:sp>
         </mc:Fallback>
       </mc:AlternateContent>
-      <mc:AlternateContent xmlns:mc="http://schemas.openxmlformats.org/markup-compatibility/2006">
-        <mc:Choice xmlns:a14="http://schemas.microsoft.com/office/drawing/2010/main" Requires="a14">
+      <mc:AlternateContent xmlns:mc="http://schemas.openxmlformats.org/markup-compatibility/2006" xmlns:a14="http://schemas.microsoft.com/office/drawing/2010/main">
+        <mc:Choice Requires="a14">
           <p:sp>
             <p:nvSpPr>
               <p:cNvPr id="11" name="对话气泡: 矩形 10">
@@ -28585,7 +28821,7 @@
             </p:txBody>
           </p:sp>
         </mc:Choice>
-        <mc:Fallback>
+        <mc:Fallback xmlns="">
           <p:sp>
             <p:nvSpPr>
               <p:cNvPr id="11" name="对话气泡: 矩形 10">
@@ -28906,14 +29142,14 @@
           </a:ln>
           <a:extLst>
             <a:ext uri="{909E8E84-426E-40dd-AFC4-6F175D3DCCD1}">
-              <a14:hiddenFill xmlns="" xmlns:a14="http://schemas.microsoft.com/office/drawing/2010/main">
+              <a14:hiddenFill xmlns:a14="http://schemas.microsoft.com/office/drawing/2010/main" xmlns="">
                 <a:solidFill>
                   <a:srgbClr val="FFFFFF"/>
                 </a:solidFill>
               </a14:hiddenFill>
             </a:ext>
             <a:ext uri="{91240B29-F687-4f45-9708-019B960494DF}">
-              <a14:hiddenLine xmlns="" xmlns:a14="http://schemas.microsoft.com/office/drawing/2010/main" w="9525">
+              <a14:hiddenLine xmlns:a14="http://schemas.microsoft.com/office/drawing/2010/main" xmlns="" w="9525">
                 <a:solidFill>
                   <a:srgbClr val="000000"/>
                 </a:solidFill>
@@ -29107,14 +29343,14 @@
           <a:noFill/>
           <a:extLst>
             <a:ext uri="{909E8E84-426E-40dd-AFC4-6F175D3DCCD1}">
-              <a14:hiddenFill xmlns="" xmlns:a14="http://schemas.microsoft.com/office/drawing/2010/main">
+              <a14:hiddenFill xmlns:a14="http://schemas.microsoft.com/office/drawing/2010/main" xmlns="">
                 <a:solidFill>
                   <a:srgbClr val="FFFFFF"/>
                 </a:solidFill>
               </a14:hiddenFill>
             </a:ext>
             <a:ext uri="{91240B29-F687-4f45-9708-019B960494DF}">
-              <a14:hiddenLine xmlns="" xmlns:a14="http://schemas.microsoft.com/office/drawing/2010/main" w="9525">
+              <a14:hiddenLine xmlns:a14="http://schemas.microsoft.com/office/drawing/2010/main" xmlns="" w="9525">
                 <a:solidFill>
                   <a:srgbClr val="000000"/>
                 </a:solidFill>
@@ -29333,14 +29569,14 @@
           </a:ln>
           <a:extLst>
             <a:ext uri="{909E8E84-426E-40dd-AFC4-6F175D3DCCD1}">
-              <a14:hiddenFill xmlns="" xmlns:a14="http://schemas.microsoft.com/office/drawing/2010/main">
+              <a14:hiddenFill xmlns:a14="http://schemas.microsoft.com/office/drawing/2010/main" xmlns="">
                 <a:solidFill>
                   <a:srgbClr val="FFFFFF"/>
                 </a:solidFill>
               </a14:hiddenFill>
             </a:ext>
             <a:ext uri="{91240B29-F687-4f45-9708-019B960494DF}">
-              <a14:hiddenLine xmlns="" xmlns:a14="http://schemas.microsoft.com/office/drawing/2010/main" w="9525">
+              <a14:hiddenLine xmlns:a14="http://schemas.microsoft.com/office/drawing/2010/main" xmlns="" w="9525">
                 <a:solidFill>
                   <a:srgbClr val="000000"/>
                 </a:solidFill>
@@ -29352,8 +29588,8 @@
           </a:extLst>
         </p:spPr>
       </p:pic>
-      <mc:AlternateContent xmlns:mc="http://schemas.openxmlformats.org/markup-compatibility/2006">
-        <mc:Choice xmlns:a14="http://schemas.microsoft.com/office/drawing/2010/main" Requires="a14">
+      <mc:AlternateContent xmlns:mc="http://schemas.openxmlformats.org/markup-compatibility/2006" xmlns:a14="http://schemas.microsoft.com/office/drawing/2010/main">
+        <mc:Choice Requires="a14">
           <p:sp>
             <p:nvSpPr>
               <p:cNvPr id="6" name="Subtitle 2">
@@ -29820,7 +30056,7 @@
                         <a:solidFill>
                           <a:srgbClr val="003366"/>
                         </a:solidFill>
-                        <a:latin typeface="仿宋" panose="02010609060101010101" pitchFamily="49" charset="-122"/>
+                        <a:latin typeface="Cambria Math" panose="02040503050406030204" pitchFamily="18" charset="0"/>
                         <a:ea typeface="仿宋" panose="02010609060101010101" pitchFamily="49" charset="-122"/>
                       </a:rPr>
                       <m:t>𝑝𝑎𝑟𝑒𝑛𝑡</m:t>
@@ -29844,7 +30080,7 @@
                         <a:solidFill>
                           <a:srgbClr val="003366"/>
                         </a:solidFill>
-                        <a:latin typeface="仿宋" panose="02010609060101010101" pitchFamily="49" charset="-122"/>
+                        <a:latin typeface="Cambria Math" panose="02040503050406030204" pitchFamily="18" charset="0"/>
                         <a:ea typeface="仿宋" panose="02010609060101010101" pitchFamily="49" charset="-122"/>
                       </a:rPr>
                       <m:t>𝑟𝑜𝑜𝑡</m:t>
@@ -30082,7 +30318,7 @@
             </p:txBody>
           </p:sp>
         </mc:Choice>
-        <mc:Fallback>
+        <mc:Fallback xmlns="">
           <p:sp>
             <p:nvSpPr>
               <p:cNvPr id="6" name="Subtitle 2">
@@ -30201,14 +30437,14 @@
           </a:ln>
           <a:extLst>
             <a:ext uri="{909E8E84-426E-40dd-AFC4-6F175D3DCCD1}">
-              <a14:hiddenFill xmlns="" xmlns:a14="http://schemas.microsoft.com/office/drawing/2010/main">
+              <a14:hiddenFill xmlns:a14="http://schemas.microsoft.com/office/drawing/2010/main" xmlns="">
                 <a:solidFill>
                   <a:srgbClr val="FFFFFF"/>
                 </a:solidFill>
               </a14:hiddenFill>
             </a:ext>
             <a:ext uri="{91240B29-F687-4f45-9708-019B960494DF}">
-              <a14:hiddenLine xmlns="" xmlns:a14="http://schemas.microsoft.com/office/drawing/2010/main" w="9525">
+              <a14:hiddenLine xmlns:a14="http://schemas.microsoft.com/office/drawing/2010/main" xmlns="" w="9525">
                 <a:solidFill>
                   <a:srgbClr val="000000"/>
                 </a:solidFill>
@@ -30402,14 +30638,14 @@
           <a:noFill/>
           <a:extLst>
             <a:ext uri="{909E8E84-426E-40dd-AFC4-6F175D3DCCD1}">
-              <a14:hiddenFill xmlns="" xmlns:a14="http://schemas.microsoft.com/office/drawing/2010/main">
+              <a14:hiddenFill xmlns:a14="http://schemas.microsoft.com/office/drawing/2010/main" xmlns="">
                 <a:solidFill>
                   <a:srgbClr val="FFFFFF"/>
                 </a:solidFill>
               </a14:hiddenFill>
             </a:ext>
             <a:ext uri="{91240B29-F687-4f45-9708-019B960494DF}">
-              <a14:hiddenLine xmlns="" xmlns:a14="http://schemas.microsoft.com/office/drawing/2010/main" w="9525">
+              <a14:hiddenLine xmlns:a14="http://schemas.microsoft.com/office/drawing/2010/main" xmlns="" w="9525">
                 <a:solidFill>
                   <a:srgbClr val="000000"/>
                 </a:solidFill>
@@ -30628,14 +30864,14 @@
           </a:ln>
           <a:extLst>
             <a:ext uri="{909E8E84-426E-40dd-AFC4-6F175D3DCCD1}">
-              <a14:hiddenFill xmlns="" xmlns:a14="http://schemas.microsoft.com/office/drawing/2010/main">
+              <a14:hiddenFill xmlns:a14="http://schemas.microsoft.com/office/drawing/2010/main" xmlns="">
                 <a:solidFill>
                   <a:srgbClr val="FFFFFF"/>
                 </a:solidFill>
               </a14:hiddenFill>
             </a:ext>
             <a:ext uri="{91240B29-F687-4f45-9708-019B960494DF}">
-              <a14:hiddenLine xmlns="" xmlns:a14="http://schemas.microsoft.com/office/drawing/2010/main" w="9525">
+              <a14:hiddenLine xmlns:a14="http://schemas.microsoft.com/office/drawing/2010/main" xmlns="" w="9525">
                 <a:solidFill>
                   <a:srgbClr val="000000"/>
                 </a:solidFill>
@@ -30647,8 +30883,8 @@
           </a:extLst>
         </p:spPr>
       </p:pic>
-      <mc:AlternateContent xmlns:mc="http://schemas.openxmlformats.org/markup-compatibility/2006">
-        <mc:Choice xmlns:a14="http://schemas.microsoft.com/office/drawing/2010/main" Requires="a14">
+      <mc:AlternateContent xmlns:mc="http://schemas.openxmlformats.org/markup-compatibility/2006" xmlns:a14="http://schemas.microsoft.com/office/drawing/2010/main">
+        <mc:Choice Requires="a14">
           <p:sp>
             <p:nvSpPr>
               <p:cNvPr id="6" name="Subtitle 2">
@@ -31392,7 +31628,7 @@
                         <a:solidFill>
                           <a:srgbClr val="003366"/>
                         </a:solidFill>
-                        <a:latin typeface="仿宋" panose="02010609060101010101" pitchFamily="49" charset="-122"/>
+                        <a:latin typeface="Cambria Math" panose="02040503050406030204" pitchFamily="18" charset="0"/>
                         <a:ea typeface="仿宋" panose="02010609060101010101" pitchFamily="49" charset="-122"/>
                       </a:rPr>
                       <m:t>𝑄𝑈𝐸𝑅𝑌</m:t>
@@ -31443,7 +31679,7 @@
                         <a:solidFill>
                           <a:srgbClr val="003366"/>
                         </a:solidFill>
-                        <a:latin typeface="仿宋" panose="02010609060101010101" pitchFamily="49" charset="-122"/>
+                        <a:latin typeface="Cambria Math" panose="02040503050406030204" pitchFamily="18" charset="0"/>
                         <a:ea typeface="仿宋" panose="02010609060101010101" pitchFamily="49" charset="-122"/>
                       </a:rPr>
                       <m:t>𝑄𝑈𝐸𝑅𝑌</m:t>
@@ -31487,7 +31723,7 @@
             </p:txBody>
           </p:sp>
         </mc:Choice>
-        <mc:Fallback>
+        <mc:Fallback xmlns="">
           <p:sp>
             <p:nvSpPr>
               <p:cNvPr id="6" name="Subtitle 2">
@@ -31606,14 +31842,14 @@
           </a:ln>
           <a:extLst>
             <a:ext uri="{909E8E84-426E-40dd-AFC4-6F175D3DCCD1}">
-              <a14:hiddenFill xmlns="" xmlns:a14="http://schemas.microsoft.com/office/drawing/2010/main">
+              <a14:hiddenFill xmlns:a14="http://schemas.microsoft.com/office/drawing/2010/main" xmlns="">
                 <a:solidFill>
                   <a:srgbClr val="FFFFFF"/>
                 </a:solidFill>
               </a14:hiddenFill>
             </a:ext>
             <a:ext uri="{91240B29-F687-4f45-9708-019B960494DF}">
-              <a14:hiddenLine xmlns="" xmlns:a14="http://schemas.microsoft.com/office/drawing/2010/main" w="9525">
+              <a14:hiddenLine xmlns:a14="http://schemas.microsoft.com/office/drawing/2010/main" xmlns="" w="9525">
                 <a:solidFill>
                   <a:srgbClr val="000000"/>
                 </a:solidFill>
@@ -31807,14 +32043,14 @@
           <a:noFill/>
           <a:extLst>
             <a:ext uri="{909E8E84-426E-40dd-AFC4-6F175D3DCCD1}">
-              <a14:hiddenFill xmlns="" xmlns:a14="http://schemas.microsoft.com/office/drawing/2010/main">
+              <a14:hiddenFill xmlns:a14="http://schemas.microsoft.com/office/drawing/2010/main" xmlns="">
                 <a:solidFill>
                   <a:srgbClr val="FFFFFF"/>
                 </a:solidFill>
               </a14:hiddenFill>
             </a:ext>
             <a:ext uri="{91240B29-F687-4f45-9708-019B960494DF}">
-              <a14:hiddenLine xmlns="" xmlns:a14="http://schemas.microsoft.com/office/drawing/2010/main" w="9525">
+              <a14:hiddenLine xmlns:a14="http://schemas.microsoft.com/office/drawing/2010/main" xmlns="" w="9525">
                 <a:solidFill>
                   <a:srgbClr val="000000"/>
                 </a:solidFill>
@@ -32033,14 +32269,14 @@
           </a:ln>
           <a:extLst>
             <a:ext uri="{909E8E84-426E-40dd-AFC4-6F175D3DCCD1}">
-              <a14:hiddenFill xmlns="" xmlns:a14="http://schemas.microsoft.com/office/drawing/2010/main">
+              <a14:hiddenFill xmlns:a14="http://schemas.microsoft.com/office/drawing/2010/main" xmlns="">
                 <a:solidFill>
                   <a:srgbClr val="FFFFFF"/>
                 </a:solidFill>
               </a14:hiddenFill>
             </a:ext>
             <a:ext uri="{91240B29-F687-4f45-9708-019B960494DF}">
-              <a14:hiddenLine xmlns="" xmlns:a14="http://schemas.microsoft.com/office/drawing/2010/main" w="9525">
+              <a14:hiddenLine xmlns:a14="http://schemas.microsoft.com/office/drawing/2010/main" xmlns="" w="9525">
                 <a:solidFill>
                   <a:srgbClr val="000000"/>
                 </a:solidFill>
@@ -32052,8 +32288,8 @@
           </a:extLst>
         </p:spPr>
       </p:pic>
-      <mc:AlternateContent xmlns:mc="http://schemas.openxmlformats.org/markup-compatibility/2006">
-        <mc:Choice xmlns:a14="http://schemas.microsoft.com/office/drawing/2010/main" Requires="a14">
+      <mc:AlternateContent xmlns:mc="http://schemas.openxmlformats.org/markup-compatibility/2006" xmlns:a14="http://schemas.microsoft.com/office/drawing/2010/main">
+        <mc:Choice Requires="a14">
           <p:sp>
             <p:nvSpPr>
               <p:cNvPr id="6" name="Subtitle 2">
@@ -32479,7 +32715,7 @@
             </p:txBody>
           </p:sp>
         </mc:Choice>
-        <mc:Fallback>
+        <mc:Fallback xmlns="">
           <p:sp>
             <p:nvSpPr>
               <p:cNvPr id="6" name="Subtitle 2">
